--- a/ATTENTION MECHANISM-BASED CROWD COUNTING WITH CNN.pptx
+++ b/ATTENTION MECHANISM-BASED CROWD COUNTING WITH CNN.pptx
@@ -238,7 +238,7 @@
           <a:p>
             <a:fld id="{30E6E22E-288A-414B-A8DE-E4DBD03D5FC0}" type="datetimeFigureOut">
               <a:rPr lang="en-US"/>
-              <a:t>3/3/2023</a:t>
+              <a:t>3/31/2023</a:t>
             </a:fld>
             <a:endParaRPr/>
           </a:p>
@@ -403,7 +403,7 @@
           <a:p>
             <a:fld id="{39A9AE7E-E0F9-4C51-AD9A-F4C3A6E23BBF}" type="datetimeFigureOut">
               <a:rPr lang="en-US"/>
-              <a:t>3/3/2023</a:t>
+              <a:t>3/31/2023</a:t>
             </a:fld>
             <a:endParaRPr/>
           </a:p>
@@ -902,7 +902,7 @@
           <a:p>
             <a:fld id="{705C7CD6-1F70-4976-B20D-15F1BB8854B6}" type="datetime1">
               <a:rPr lang="en-US" smtClean="0"/>
-              <a:t>3/3/2023</a:t>
+              <a:t>3/31/2023</a:t>
             </a:fld>
             <a:endParaRPr/>
           </a:p>
@@ -1511,7 +1511,7 @@
           <a:p>
             <a:fld id="{C9370DFC-3D89-4CC6-8882-58EB4E764F50}" type="datetime1">
               <a:rPr lang="en-US" smtClean="0"/>
-              <a:t>3/3/2023</a:t>
+              <a:t>3/31/2023</a:t>
             </a:fld>
             <a:endParaRPr/>
           </a:p>
@@ -1720,7 +1720,7 @@
           <a:p>
             <a:fld id="{4DA850F1-B34C-4688-9C46-06B0D61E867E}" type="datetime1">
               <a:rPr lang="en-US" smtClean="0"/>
-              <a:t>3/3/2023</a:t>
+              <a:t>3/31/2023</a:t>
             </a:fld>
             <a:endParaRPr/>
           </a:p>
@@ -1919,7 +1919,7 @@
           <a:p>
             <a:fld id="{BC9FDFF0-E8DD-44C2-A1FA-A1EDAAA1003D}" type="datetime1">
               <a:rPr lang="en-US" smtClean="0"/>
-              <a:t>3/3/2023</a:t>
+              <a:t>3/31/2023</a:t>
             </a:fld>
             <a:endParaRPr/>
           </a:p>
@@ -2184,7 +2184,7 @@
           <a:p>
             <a:fld id="{9D7D5702-A40F-4D29-857D-64382794E406}" type="datetime1">
               <a:rPr lang="en-US" smtClean="0"/>
-              <a:t>3/3/2023</a:t>
+              <a:t>3/31/2023</a:t>
             </a:fld>
             <a:endParaRPr/>
           </a:p>
@@ -2693,7 +2693,7 @@
           <a:p>
             <a:fld id="{D3FCFBF3-E9C1-4E9D-863C-989F2B2ACF01}" type="datetime1">
               <a:rPr lang="en-US" smtClean="0"/>
-              <a:t>3/3/2023</a:t>
+              <a:t>3/31/2023</a:t>
             </a:fld>
             <a:endParaRPr/>
           </a:p>
@@ -3154,7 +3154,7 @@
           <a:p>
             <a:fld id="{9FD064E1-1F0C-40B0-85A6-20DA5D299247}" type="datetime1">
               <a:rPr lang="en-US" smtClean="0"/>
-              <a:t>3/3/2023</a:t>
+              <a:t>3/31/2023</a:t>
             </a:fld>
             <a:endParaRPr/>
           </a:p>
@@ -3285,7 +3285,7 @@
           <a:p>
             <a:fld id="{BFB37BDD-439F-415C-9E8B-58F3B13D9028}" type="datetime1">
               <a:rPr lang="en-US" smtClean="0"/>
-              <a:t>3/3/2023</a:t>
+              <a:t>3/31/2023</a:t>
             </a:fld>
             <a:endParaRPr/>
           </a:p>
@@ -3393,7 +3393,7 @@
           <a:p>
             <a:fld id="{7D0D986B-2F15-4A5F-8B43-1086374CD1AE}" type="datetime1">
               <a:rPr lang="en-US" smtClean="0"/>
-              <a:t>3/3/2023</a:t>
+              <a:t>3/31/2023</a:t>
             </a:fld>
             <a:endParaRPr/>
           </a:p>
@@ -3687,7 +3687,7 @@
           <a:p>
             <a:fld id="{5AE7B1FB-B33E-4E5B-AA64-621283CE6935}" type="datetime1">
               <a:rPr lang="en-US" smtClean="0"/>
-              <a:t>3/3/2023</a:t>
+              <a:t>3/31/2023</a:t>
             </a:fld>
             <a:endParaRPr/>
           </a:p>
@@ -4011,7 +4011,7 @@
           <a:p>
             <a:fld id="{33978762-79A6-4DDC-B3BF-58904F698A86}" type="datetime1">
               <a:rPr lang="en-US" smtClean="0"/>
-              <a:t>3/3/2023</a:t>
+              <a:t>3/31/2023</a:t>
             </a:fld>
             <a:endParaRPr/>
           </a:p>
@@ -4355,7 +4355,7 @@
           <a:p>
             <a:fld id="{B855DF69-F5C9-4007-8767-8AF374755C39}" type="datetime1">
               <a:rPr lang="en-US" smtClean="0"/>
-              <a:t>3/3/2023</a:t>
+              <a:t>3/31/2023</a:t>
             </a:fld>
             <a:endParaRPr/>
           </a:p>
@@ -6518,7 +6518,7 @@
             <p:ph idx="1"/>
             <p:extLst>
               <p:ext uri="{D42A27DB-BD31-4B8C-83A1-F6EECF244321}">
-                <p14:modId xmlns:p14="http://schemas.microsoft.com/office/powerpoint/2010/main" val="4029774492"/>
+                <p14:modId xmlns:p14="http://schemas.microsoft.com/office/powerpoint/2010/main" val="2538681942"/>
               </p:ext>
             </p:extLst>
           </p:nvPr>
@@ -6807,6 +6807,16 @@
                     <a:lstStyle/>
                     <a:p>
                       <a:r>
+                        <a:rPr lang="en-US" dirty="0">
+                          <a:solidFill>
+                            <a:schemeClr val="accent6">
+                              <a:lumMod val="50000"/>
+                            </a:schemeClr>
+                          </a:solidFill>
+                        </a:rPr>
+                        <a:t>C</a:t>
+                      </a:r>
+                      <a:r>
                         <a:rPr lang="en-IN" dirty="0">
                           <a:solidFill>
                             <a:schemeClr val="accent6">
@@ -6814,7 +6824,7 @@
                             </a:schemeClr>
                           </a:solidFill>
                         </a:rPr>
-                        <a:t>PLANNED</a:t>
+                        <a:t>ompleted</a:t>
                       </a:r>
                     </a:p>
                   </a:txBody>
@@ -6927,6 +6937,16 @@
                     <a:lstStyle/>
                     <a:p>
                       <a:r>
+                        <a:rPr lang="en-US" dirty="0">
+                          <a:solidFill>
+                            <a:schemeClr val="accent6">
+                              <a:lumMod val="50000"/>
+                            </a:schemeClr>
+                          </a:solidFill>
+                        </a:rPr>
+                        <a:t>C</a:t>
+                      </a:r>
+                      <a:r>
                         <a:rPr lang="en-IN" dirty="0">
                           <a:solidFill>
                             <a:schemeClr val="accent6">
@@ -6934,7 +6954,7 @@
                             </a:schemeClr>
                           </a:solidFill>
                         </a:rPr>
-                        <a:t>PLANNED</a:t>
+                        <a:t>ompleted</a:t>
                       </a:r>
                     </a:p>
                   </a:txBody>
@@ -7049,6 +7069,16 @@
                     <a:lstStyle/>
                     <a:p>
                       <a:r>
+                        <a:rPr lang="en-US" dirty="0">
+                          <a:solidFill>
+                            <a:schemeClr val="accent6">
+                              <a:lumMod val="50000"/>
+                            </a:schemeClr>
+                          </a:solidFill>
+                        </a:rPr>
+                        <a:t>C</a:t>
+                      </a:r>
+                      <a:r>
                         <a:rPr lang="en-IN" dirty="0">
                           <a:solidFill>
                             <a:schemeClr val="accent6">
@@ -7056,7 +7086,7 @@
                             </a:schemeClr>
                           </a:solidFill>
                         </a:rPr>
-                        <a:t>PLANNED</a:t>
+                        <a:t>ompleted</a:t>
                       </a:r>
                     </a:p>
                   </a:txBody>
@@ -7178,6 +7208,16 @@
                     <a:lstStyle/>
                     <a:p>
                       <a:r>
+                        <a:rPr lang="en-US" dirty="0">
+                          <a:solidFill>
+                            <a:schemeClr val="accent6">
+                              <a:lumMod val="50000"/>
+                            </a:schemeClr>
+                          </a:solidFill>
+                        </a:rPr>
+                        <a:t>C</a:t>
+                      </a:r>
+                      <a:r>
                         <a:rPr lang="en-IN" dirty="0">
                           <a:solidFill>
                             <a:schemeClr val="accent6">
@@ -7185,7 +7225,7 @@
                             </a:schemeClr>
                           </a:solidFill>
                         </a:rPr>
-                        <a:t>PLANNED</a:t>
+                        <a:t>ompleted</a:t>
                       </a:r>
                     </a:p>
                   </a:txBody>
@@ -7833,7 +7873,7 @@
             <p:ph idx="1"/>
             <p:extLst>
               <p:ext uri="{D42A27DB-BD31-4B8C-83A1-F6EECF244321}">
-                <p14:modId xmlns:p14="http://schemas.microsoft.com/office/powerpoint/2010/main" val="3865963131"/>
+                <p14:modId xmlns:p14="http://schemas.microsoft.com/office/powerpoint/2010/main" val="2741707491"/>
               </p:ext>
             </p:extLst>
           </p:nvPr>
@@ -8243,12 +8283,43 @@
                     <a:bodyPr/>
                     <a:lstStyle/>
                     <a:p>
-                      <a:pPr algn="ctr"/>
-                      <a:r>
-                        <a:rPr lang="en-US" sz="1800" dirty="0"/>
-                        <a:t>PLANNED</a:t>
-                      </a:r>
-                      <a:endParaRPr lang="en-IN" sz="1800" dirty="0"/>
+                      <a:pPr marL="0" marR="0" lvl="0" indent="0" algn="ctr" defTabSz="914400" rtl="0" eaLnBrk="1" fontAlgn="auto" latinLnBrk="0" hangingPunct="1">
+                        <a:lnSpc>
+                          <a:spcPct val="100000"/>
+                        </a:lnSpc>
+                        <a:spcBef>
+                          <a:spcPts val="0"/>
+                        </a:spcBef>
+                        <a:spcAft>
+                          <a:spcPts val="0"/>
+                        </a:spcAft>
+                        <a:buClrTx/>
+                        <a:buSzTx/>
+                        <a:buFontTx/>
+                        <a:buNone/>
+                        <a:tabLst/>
+                        <a:defRPr/>
+                      </a:pPr>
+                      <a:r>
+                        <a:rPr lang="en-US" dirty="0">
+                          <a:solidFill>
+                            <a:schemeClr val="accent6">
+                              <a:lumMod val="50000"/>
+                            </a:schemeClr>
+                          </a:solidFill>
+                        </a:rPr>
+                        <a:t>C</a:t>
+                      </a:r>
+                      <a:r>
+                        <a:rPr lang="en-IN" dirty="0">
+                          <a:solidFill>
+                            <a:schemeClr val="accent6">
+                              <a:lumMod val="50000"/>
+                            </a:schemeClr>
+                          </a:solidFill>
+                        </a:rPr>
+                        <a:t>ompleted</a:t>
+                      </a:r>
                     </a:p>
                   </a:txBody>
                   <a:tcPr anchor="ctr">
@@ -8336,9 +8407,10 @@
                     <a:p>
                       <a:pPr algn="ctr"/>
                       <a:r>
-                        <a:rPr lang="en-IN" sz="1800" dirty="0"/>
+                        <a:rPr lang="en-IN" sz="1800"/>
                         <a:t>6 Days</a:t>
                       </a:r>
+                      <a:endParaRPr lang="en-IN" sz="1800" dirty="0"/>
                     </a:p>
                   </a:txBody>
                   <a:tcPr anchor="ctr">
@@ -8352,12 +8424,43 @@
                     <a:bodyPr/>
                     <a:lstStyle/>
                     <a:p>
-                      <a:pPr algn="ctr"/>
-                      <a:r>
-                        <a:rPr lang="en-US" sz="1800" dirty="0"/>
-                        <a:t>PLANNED</a:t>
-                      </a:r>
-                      <a:endParaRPr lang="en-IN" sz="1800" dirty="0"/>
+                      <a:pPr marL="0" marR="0" lvl="0" indent="0" algn="ctr" defTabSz="914400" rtl="0" eaLnBrk="1" fontAlgn="auto" latinLnBrk="0" hangingPunct="1">
+                        <a:lnSpc>
+                          <a:spcPct val="100000"/>
+                        </a:lnSpc>
+                        <a:spcBef>
+                          <a:spcPts val="0"/>
+                        </a:spcBef>
+                        <a:spcAft>
+                          <a:spcPts val="0"/>
+                        </a:spcAft>
+                        <a:buClrTx/>
+                        <a:buSzTx/>
+                        <a:buFontTx/>
+                        <a:buNone/>
+                        <a:tabLst/>
+                        <a:defRPr/>
+                      </a:pPr>
+                      <a:r>
+                        <a:rPr lang="en-US" dirty="0">
+                          <a:solidFill>
+                            <a:schemeClr val="accent6">
+                              <a:lumMod val="50000"/>
+                            </a:schemeClr>
+                          </a:solidFill>
+                        </a:rPr>
+                        <a:t>C</a:t>
+                      </a:r>
+                      <a:r>
+                        <a:rPr lang="en-IN" dirty="0">
+                          <a:solidFill>
+                            <a:schemeClr val="accent6">
+                              <a:lumMod val="50000"/>
+                            </a:schemeClr>
+                          </a:solidFill>
+                        </a:rPr>
+                        <a:t>ompleted</a:t>
+                      </a:r>
                     </a:p>
                   </a:txBody>
                   <a:tcPr anchor="ctr">
@@ -8461,12 +8564,43 @@
                     <a:bodyPr/>
                     <a:lstStyle/>
                     <a:p>
-                      <a:pPr algn="ctr"/>
-                      <a:r>
-                        <a:rPr lang="en-US" sz="1800" dirty="0"/>
-                        <a:t>PLANNED</a:t>
-                      </a:r>
-                      <a:endParaRPr lang="en-IN" sz="1800" dirty="0"/>
+                      <a:pPr marL="0" marR="0" lvl="0" indent="0" algn="ctr" defTabSz="914400" rtl="0" eaLnBrk="1" fontAlgn="auto" latinLnBrk="0" hangingPunct="1">
+                        <a:lnSpc>
+                          <a:spcPct val="100000"/>
+                        </a:lnSpc>
+                        <a:spcBef>
+                          <a:spcPts val="0"/>
+                        </a:spcBef>
+                        <a:spcAft>
+                          <a:spcPts val="0"/>
+                        </a:spcAft>
+                        <a:buClrTx/>
+                        <a:buSzTx/>
+                        <a:buFontTx/>
+                        <a:buNone/>
+                        <a:tabLst/>
+                        <a:defRPr/>
+                      </a:pPr>
+                      <a:r>
+                        <a:rPr lang="en-US" dirty="0">
+                          <a:solidFill>
+                            <a:schemeClr val="accent6">
+                              <a:lumMod val="50000"/>
+                            </a:schemeClr>
+                          </a:solidFill>
+                        </a:rPr>
+                        <a:t>C</a:t>
+                      </a:r>
+                      <a:r>
+                        <a:rPr lang="en-IN" dirty="0">
+                          <a:solidFill>
+                            <a:schemeClr val="accent6">
+                              <a:lumMod val="50000"/>
+                            </a:schemeClr>
+                          </a:solidFill>
+                        </a:rPr>
+                        <a:t>ompleted</a:t>
+                      </a:r>
                     </a:p>
                   </a:txBody>
                   <a:tcPr anchor="ctr">
@@ -8571,12 +8705,43 @@
                     <a:bodyPr/>
                     <a:lstStyle/>
                     <a:p>
-                      <a:pPr algn="ctr"/>
-                      <a:r>
-                        <a:rPr lang="en-US" sz="1800" dirty="0"/>
-                        <a:t>PLANNED</a:t>
-                      </a:r>
-                      <a:endParaRPr lang="en-IN" sz="1800" dirty="0"/>
+                      <a:pPr marL="0" marR="0" lvl="0" indent="0" algn="ctr" defTabSz="914400" rtl="0" eaLnBrk="1" fontAlgn="auto" latinLnBrk="0" hangingPunct="1">
+                        <a:lnSpc>
+                          <a:spcPct val="100000"/>
+                        </a:lnSpc>
+                        <a:spcBef>
+                          <a:spcPts val="0"/>
+                        </a:spcBef>
+                        <a:spcAft>
+                          <a:spcPts val="0"/>
+                        </a:spcAft>
+                        <a:buClrTx/>
+                        <a:buSzTx/>
+                        <a:buFontTx/>
+                        <a:buNone/>
+                        <a:tabLst/>
+                        <a:defRPr/>
+                      </a:pPr>
+                      <a:r>
+                        <a:rPr lang="en-US" dirty="0">
+                          <a:solidFill>
+                            <a:schemeClr val="accent6">
+                              <a:lumMod val="50000"/>
+                            </a:schemeClr>
+                          </a:solidFill>
+                        </a:rPr>
+                        <a:t>C</a:t>
+                      </a:r>
+                      <a:r>
+                        <a:rPr lang="en-IN" dirty="0">
+                          <a:solidFill>
+                            <a:schemeClr val="accent6">
+                              <a:lumMod val="50000"/>
+                            </a:schemeClr>
+                          </a:solidFill>
+                        </a:rPr>
+                        <a:t>ompleted</a:t>
+                      </a:r>
                     </a:p>
                   </a:txBody>
                   <a:tcPr anchor="ctr">
@@ -8694,12 +8859,43 @@
                     <a:bodyPr/>
                     <a:lstStyle/>
                     <a:p>
-                      <a:pPr algn="ctr"/>
-                      <a:r>
-                        <a:rPr lang="en-US" sz="1800" dirty="0"/>
-                        <a:t>PLANNED</a:t>
-                      </a:r>
-                      <a:endParaRPr lang="en-IN" sz="1800" dirty="0"/>
+                      <a:pPr marL="0" marR="0" lvl="0" indent="0" algn="ctr" defTabSz="914400" rtl="0" eaLnBrk="1" fontAlgn="auto" latinLnBrk="0" hangingPunct="1">
+                        <a:lnSpc>
+                          <a:spcPct val="100000"/>
+                        </a:lnSpc>
+                        <a:spcBef>
+                          <a:spcPts val="0"/>
+                        </a:spcBef>
+                        <a:spcAft>
+                          <a:spcPts val="0"/>
+                        </a:spcAft>
+                        <a:buClrTx/>
+                        <a:buSzTx/>
+                        <a:buFontTx/>
+                        <a:buNone/>
+                        <a:tabLst/>
+                        <a:defRPr/>
+                      </a:pPr>
+                      <a:r>
+                        <a:rPr lang="en-US" dirty="0">
+                          <a:solidFill>
+                            <a:schemeClr val="accent6">
+                              <a:lumMod val="50000"/>
+                            </a:schemeClr>
+                          </a:solidFill>
+                        </a:rPr>
+                        <a:t>C</a:t>
+                      </a:r>
+                      <a:r>
+                        <a:rPr lang="en-IN" dirty="0">
+                          <a:solidFill>
+                            <a:schemeClr val="accent6">
+                              <a:lumMod val="50000"/>
+                            </a:schemeClr>
+                          </a:solidFill>
+                        </a:rPr>
+                        <a:t>ompleted</a:t>
+                      </a:r>
                     </a:p>
                   </a:txBody>
                   <a:tcPr anchor="ctr">
@@ -8803,12 +8999,43 @@
                     <a:bodyPr/>
                     <a:lstStyle/>
                     <a:p>
-                      <a:pPr algn="ctr"/>
-                      <a:r>
-                        <a:rPr lang="en-US" sz="1800" dirty="0"/>
-                        <a:t>PLANNED</a:t>
-                      </a:r>
-                      <a:endParaRPr lang="en-IN" sz="1800" dirty="0"/>
+                      <a:pPr marL="0" marR="0" lvl="0" indent="0" algn="ctr" defTabSz="914400" rtl="0" eaLnBrk="1" fontAlgn="auto" latinLnBrk="0" hangingPunct="1">
+                        <a:lnSpc>
+                          <a:spcPct val="100000"/>
+                        </a:lnSpc>
+                        <a:spcBef>
+                          <a:spcPts val="0"/>
+                        </a:spcBef>
+                        <a:spcAft>
+                          <a:spcPts val="0"/>
+                        </a:spcAft>
+                        <a:buClrTx/>
+                        <a:buSzTx/>
+                        <a:buFontTx/>
+                        <a:buNone/>
+                        <a:tabLst/>
+                        <a:defRPr/>
+                      </a:pPr>
+                      <a:r>
+                        <a:rPr lang="en-US" dirty="0">
+                          <a:solidFill>
+                            <a:schemeClr val="accent6">
+                              <a:lumMod val="50000"/>
+                            </a:schemeClr>
+                          </a:solidFill>
+                        </a:rPr>
+                        <a:t>C</a:t>
+                      </a:r>
+                      <a:r>
+                        <a:rPr lang="en-IN" dirty="0">
+                          <a:solidFill>
+                            <a:schemeClr val="accent6">
+                              <a:lumMod val="50000"/>
+                            </a:schemeClr>
+                          </a:solidFill>
+                        </a:rPr>
+                        <a:t>ompleted</a:t>
+                      </a:r>
                     </a:p>
                   </a:txBody>
                   <a:tcPr anchor="ctr">
@@ -8913,12 +9140,43 @@
                     <a:bodyPr/>
                     <a:lstStyle/>
                     <a:p>
-                      <a:pPr algn="ctr"/>
-                      <a:r>
-                        <a:rPr lang="en-US" sz="1800" dirty="0"/>
-                        <a:t>PLANNED</a:t>
-                      </a:r>
-                      <a:endParaRPr lang="en-IN" sz="1800" dirty="0"/>
+                      <a:pPr marL="0" marR="0" lvl="0" indent="0" algn="ctr" defTabSz="914400" rtl="0" eaLnBrk="1" fontAlgn="auto" latinLnBrk="0" hangingPunct="1">
+                        <a:lnSpc>
+                          <a:spcPct val="100000"/>
+                        </a:lnSpc>
+                        <a:spcBef>
+                          <a:spcPts val="0"/>
+                        </a:spcBef>
+                        <a:spcAft>
+                          <a:spcPts val="0"/>
+                        </a:spcAft>
+                        <a:buClrTx/>
+                        <a:buSzTx/>
+                        <a:buFontTx/>
+                        <a:buNone/>
+                        <a:tabLst/>
+                        <a:defRPr/>
+                      </a:pPr>
+                      <a:r>
+                        <a:rPr lang="en-US" dirty="0">
+                          <a:solidFill>
+                            <a:schemeClr val="accent6">
+                              <a:lumMod val="50000"/>
+                            </a:schemeClr>
+                          </a:solidFill>
+                        </a:rPr>
+                        <a:t>C</a:t>
+                      </a:r>
+                      <a:r>
+                        <a:rPr lang="en-IN" dirty="0">
+                          <a:solidFill>
+                            <a:schemeClr val="accent6">
+                              <a:lumMod val="50000"/>
+                            </a:schemeClr>
+                          </a:solidFill>
+                        </a:rPr>
+                        <a:t>ompleted</a:t>
+                      </a:r>
                     </a:p>
                   </a:txBody>
                   <a:tcPr anchor="ctr">
@@ -9152,7 +9410,7 @@
             <p:ph idx="1"/>
             <p:extLst>
               <p:ext uri="{D42A27DB-BD31-4B8C-83A1-F6EECF244321}">
-                <p14:modId xmlns:p14="http://schemas.microsoft.com/office/powerpoint/2010/main" val="4038247935"/>
+                <p14:modId xmlns:p14="http://schemas.microsoft.com/office/powerpoint/2010/main" val="3070928982"/>
               </p:ext>
             </p:extLst>
           </p:nvPr>
@@ -9566,12 +9824,43 @@
                     <a:bodyPr/>
                     <a:lstStyle/>
                     <a:p>
-                      <a:pPr algn="ctr"/>
-                      <a:r>
-                        <a:rPr lang="en-US" sz="1800" dirty="0"/>
-                        <a:t>PLANNED</a:t>
-                      </a:r>
-                      <a:endParaRPr lang="en-IN" sz="1800" dirty="0"/>
+                      <a:pPr marL="0" marR="0" lvl="0" indent="0" algn="ctr" defTabSz="914400" rtl="0" eaLnBrk="1" fontAlgn="auto" latinLnBrk="0" hangingPunct="1">
+                        <a:lnSpc>
+                          <a:spcPct val="100000"/>
+                        </a:lnSpc>
+                        <a:spcBef>
+                          <a:spcPts val="0"/>
+                        </a:spcBef>
+                        <a:spcAft>
+                          <a:spcPts val="0"/>
+                        </a:spcAft>
+                        <a:buClrTx/>
+                        <a:buSzTx/>
+                        <a:buFontTx/>
+                        <a:buNone/>
+                        <a:tabLst/>
+                        <a:defRPr/>
+                      </a:pPr>
+                      <a:r>
+                        <a:rPr lang="en-US" dirty="0">
+                          <a:solidFill>
+                            <a:schemeClr val="accent6">
+                              <a:lumMod val="50000"/>
+                            </a:schemeClr>
+                          </a:solidFill>
+                        </a:rPr>
+                        <a:t>C</a:t>
+                      </a:r>
+                      <a:r>
+                        <a:rPr lang="en-IN" dirty="0">
+                          <a:solidFill>
+                            <a:schemeClr val="accent6">
+                              <a:lumMod val="50000"/>
+                            </a:schemeClr>
+                          </a:solidFill>
+                        </a:rPr>
+                        <a:t>ompleted</a:t>
+                      </a:r>
                     </a:p>
                   </a:txBody>
                   <a:tcPr anchor="ctr">
@@ -14545,6 +14834,15 @@
 </file>
 
 <file path=customXml/item1.xml><?xml version="1.0" encoding="utf-8"?>
+<?mso-contentType ?>
+<FormTemplates xmlns="http://schemas.microsoft.com/sharepoint/v3/contenttype/forms">
+  <Display>DocumentLibraryForm</Display>
+  <Edit>AssetEditForm</Edit>
+  <New>DocumentLibraryForm</New>
+</FormTemplates>
+</file>
+
+<file path=customXml/item2.xml><?xml version="1.0" encoding="utf-8"?>
 <ct:contentTypeSchema xmlns:ct="http://schemas.microsoft.com/office/2006/metadata/contentType" xmlns:ma="http://schemas.microsoft.com/office/2006/metadata/properties/metaAttributes" ct:_="" ma:_="" ma:contentTypeName="TemplateFile" ma:contentTypeID="0x0101006EDDDB5EE6D98C44930B742096920B300400F5B6D36B3EF94B4E9A635CDF2A18F5B8" ma:contentTypeVersion="72" ma:contentTypeDescription="Create a new document." ma:contentTypeScope="" ma:versionID="a23e56308344d904b51738559c3d67c9">
   <xsd:schema xmlns:xsd="http://www.w3.org/2001/XMLSchema" xmlns:xs="http://www.w3.org/2001/XMLSchema" xmlns:p="http://schemas.microsoft.com/office/2006/metadata/properties" xmlns:ns2="4873beb7-5857-4685-be1f-d57550cc96cc" targetNamespace="http://schemas.microsoft.com/office/2006/metadata/properties" ma:root="true" ma:fieldsID="cd0908cc4600e77bf5da051303e00c8d" ns2:_="">
     <xsd:import namespace="4873beb7-5857-4685-be1f-d57550cc96cc"/>
@@ -15584,15 +15882,6 @@
 </ct:contentTypeSchema>
 </file>
 
-<file path=customXml/item2.xml><?xml version="1.0" encoding="utf-8"?>
-<?mso-contentType ?>
-<FormTemplates xmlns="http://schemas.microsoft.com/sharepoint/v3/contenttype/forms">
-  <Display>DocumentLibraryForm</Display>
-  <Edit>AssetEditForm</Edit>
-  <New>DocumentLibraryForm</New>
-</FormTemplates>
-</file>
-
 <file path=customXml/item3.xml><?xml version="1.0" encoding="utf-8"?>
 <p:properties xmlns:p="http://schemas.microsoft.com/office/2006/metadata/properties" xmlns:xsi="http://www.w3.org/2001/XMLSchema-instance" xmlns:pc="http://schemas.microsoft.com/office/infopath/2007/PartnerControls">
   <documentManagement>
@@ -15720,6 +16009,14 @@
 </file>
 
 <file path=customXml/itemProps1.xml><?xml version="1.0" encoding="utf-8"?>
+<ds:datastoreItem xmlns:ds="http://schemas.openxmlformats.org/officeDocument/2006/customXml" ds:itemID="{8D003AC8-209A-4321-A17C-1B7A20643390}">
+  <ds:schemaRefs>
+    <ds:schemaRef ds:uri="http://schemas.microsoft.com/sharepoint/v3/contenttype/forms"/>
+  </ds:schemaRefs>
+</ds:datastoreItem>
+</file>
+
+<file path=customXml/itemProps2.xml><?xml version="1.0" encoding="utf-8"?>
 <ds:datastoreItem xmlns:ds="http://schemas.openxmlformats.org/officeDocument/2006/customXml" ds:itemID="{83ED4759-CFDD-43F0-817C-11D9197192BA}">
   <ds:schemaRefs>
     <ds:schemaRef ds:uri="http://schemas.microsoft.com/office/2006/metadata/contentType"/>
@@ -15733,14 +16030,6 @@
     <ds:schemaRef ds:uri="http://purl.org/dc/elements/1.1/"/>
     <ds:schemaRef ds:uri="http://purl.org/dc/terms/"/>
     <ds:schemaRef ds:uri="http://schemas.microsoft.com/internal/obd"/>
-  </ds:schemaRefs>
-</ds:datastoreItem>
-</file>
-
-<file path=customXml/itemProps2.xml><?xml version="1.0" encoding="utf-8"?>
-<ds:datastoreItem xmlns:ds="http://schemas.openxmlformats.org/officeDocument/2006/customXml" ds:itemID="{8D003AC8-209A-4321-A17C-1B7A20643390}">
-  <ds:schemaRefs>
-    <ds:schemaRef ds:uri="http://schemas.microsoft.com/sharepoint/v3/contenttype/forms"/>
   </ds:schemaRefs>
 </ds:datastoreItem>
 </file>

--- a/ATTENTION MECHANISM-BASED CROWD COUNTING WITH CNN.pptx
+++ b/ATTENTION MECHANISM-BASED CROWD COUNTING WITH CNN.pptx
@@ -238,7 +238,7 @@
           <a:p>
             <a:fld id="{30E6E22E-288A-414B-A8DE-E4DBD03D5FC0}" type="datetimeFigureOut">
               <a:rPr lang="en-US"/>
-              <a:t>3/31/2023</a:t>
+              <a:t>5/7/2023</a:t>
             </a:fld>
             <a:endParaRPr/>
           </a:p>
@@ -403,7 +403,7 @@
           <a:p>
             <a:fld id="{39A9AE7E-E0F9-4C51-AD9A-F4C3A6E23BBF}" type="datetimeFigureOut">
               <a:rPr lang="en-US"/>
-              <a:t>3/31/2023</a:t>
+              <a:t>5/7/2023</a:t>
             </a:fld>
             <a:endParaRPr/>
           </a:p>
@@ -902,7 +902,7 @@
           <a:p>
             <a:fld id="{705C7CD6-1F70-4976-B20D-15F1BB8854B6}" type="datetime1">
               <a:rPr lang="en-US" smtClean="0"/>
-              <a:t>3/31/2023</a:t>
+              <a:t>5/7/2023</a:t>
             </a:fld>
             <a:endParaRPr/>
           </a:p>
@@ -1511,7 +1511,7 @@
           <a:p>
             <a:fld id="{C9370DFC-3D89-4CC6-8882-58EB4E764F50}" type="datetime1">
               <a:rPr lang="en-US" smtClean="0"/>
-              <a:t>3/31/2023</a:t>
+              <a:t>5/7/2023</a:t>
             </a:fld>
             <a:endParaRPr/>
           </a:p>
@@ -1720,7 +1720,7 @@
           <a:p>
             <a:fld id="{4DA850F1-B34C-4688-9C46-06B0D61E867E}" type="datetime1">
               <a:rPr lang="en-US" smtClean="0"/>
-              <a:t>3/31/2023</a:t>
+              <a:t>5/7/2023</a:t>
             </a:fld>
             <a:endParaRPr/>
           </a:p>
@@ -1919,7 +1919,7 @@
           <a:p>
             <a:fld id="{BC9FDFF0-E8DD-44C2-A1FA-A1EDAAA1003D}" type="datetime1">
               <a:rPr lang="en-US" smtClean="0"/>
-              <a:t>3/31/2023</a:t>
+              <a:t>5/7/2023</a:t>
             </a:fld>
             <a:endParaRPr/>
           </a:p>
@@ -2184,7 +2184,7 @@
           <a:p>
             <a:fld id="{9D7D5702-A40F-4D29-857D-64382794E406}" type="datetime1">
               <a:rPr lang="en-US" smtClean="0"/>
-              <a:t>3/31/2023</a:t>
+              <a:t>5/7/2023</a:t>
             </a:fld>
             <a:endParaRPr/>
           </a:p>
@@ -2693,7 +2693,7 @@
           <a:p>
             <a:fld id="{D3FCFBF3-E9C1-4E9D-863C-989F2B2ACF01}" type="datetime1">
               <a:rPr lang="en-US" smtClean="0"/>
-              <a:t>3/31/2023</a:t>
+              <a:t>5/7/2023</a:t>
             </a:fld>
             <a:endParaRPr/>
           </a:p>
@@ -3154,7 +3154,7 @@
           <a:p>
             <a:fld id="{9FD064E1-1F0C-40B0-85A6-20DA5D299247}" type="datetime1">
               <a:rPr lang="en-US" smtClean="0"/>
-              <a:t>3/31/2023</a:t>
+              <a:t>5/7/2023</a:t>
             </a:fld>
             <a:endParaRPr/>
           </a:p>
@@ -3285,7 +3285,7 @@
           <a:p>
             <a:fld id="{BFB37BDD-439F-415C-9E8B-58F3B13D9028}" type="datetime1">
               <a:rPr lang="en-US" smtClean="0"/>
-              <a:t>3/31/2023</a:t>
+              <a:t>5/7/2023</a:t>
             </a:fld>
             <a:endParaRPr/>
           </a:p>
@@ -3393,7 +3393,7 @@
           <a:p>
             <a:fld id="{7D0D986B-2F15-4A5F-8B43-1086374CD1AE}" type="datetime1">
               <a:rPr lang="en-US" smtClean="0"/>
-              <a:t>3/31/2023</a:t>
+              <a:t>5/7/2023</a:t>
             </a:fld>
             <a:endParaRPr/>
           </a:p>
@@ -3687,7 +3687,7 @@
           <a:p>
             <a:fld id="{5AE7B1FB-B33E-4E5B-AA64-621283CE6935}" type="datetime1">
               <a:rPr lang="en-US" smtClean="0"/>
-              <a:t>3/31/2023</a:t>
+              <a:t>5/7/2023</a:t>
             </a:fld>
             <a:endParaRPr/>
           </a:p>
@@ -4011,7 +4011,7 @@
           <a:p>
             <a:fld id="{33978762-79A6-4DDC-B3BF-58904F698A86}" type="datetime1">
               <a:rPr lang="en-US" smtClean="0"/>
-              <a:t>3/31/2023</a:t>
+              <a:t>5/7/2023</a:t>
             </a:fld>
             <a:endParaRPr/>
           </a:p>
@@ -4355,7 +4355,7 @@
           <a:p>
             <a:fld id="{B855DF69-F5C9-4007-8767-8AF374755C39}" type="datetime1">
               <a:rPr lang="en-US" smtClean="0"/>
-              <a:t>3/31/2023</a:t>
+              <a:t>5/7/2023</a:t>
             </a:fld>
             <a:endParaRPr/>
           </a:p>
@@ -6518,7 +6518,7 @@
             <p:ph idx="1"/>
             <p:extLst>
               <p:ext uri="{D42A27DB-BD31-4B8C-83A1-F6EECF244321}">
-                <p14:modId xmlns:p14="http://schemas.microsoft.com/office/powerpoint/2010/main" val="2538681942"/>
+                <p14:modId xmlns:p14="http://schemas.microsoft.com/office/powerpoint/2010/main" val="4001555915"/>
               </p:ext>
             </p:extLst>
           </p:nvPr>
@@ -7340,23 +7340,16 @@
                     <a:bodyPr/>
                     <a:lstStyle/>
                     <a:p>
-                      <a:pPr marL="0" marR="0" lvl="0" indent="0" algn="l" defTabSz="914400" rtl="0" eaLnBrk="1" fontAlgn="auto" latinLnBrk="0" hangingPunct="1">
-                        <a:lnSpc>
-                          <a:spcPct val="100000"/>
-                        </a:lnSpc>
-                        <a:spcBef>
-                          <a:spcPts val="0"/>
-                        </a:spcBef>
-                        <a:spcAft>
-                          <a:spcPts val="0"/>
-                        </a:spcAft>
-                        <a:buClrTx/>
-                        <a:buSzTx/>
-                        <a:buFontTx/>
-                        <a:buNone/>
-                        <a:tabLst/>
-                        <a:defRPr/>
-                      </a:pPr>
+                      <a:r>
+                        <a:rPr lang="en-US" dirty="0">
+                          <a:solidFill>
+                            <a:schemeClr val="accent6">
+                              <a:lumMod val="50000"/>
+                            </a:schemeClr>
+                          </a:solidFill>
+                        </a:rPr>
+                        <a:t>C</a:t>
+                      </a:r>
                       <a:r>
                         <a:rPr lang="en-IN" dirty="0">
                           <a:solidFill>
@@ -7365,7 +7358,7 @@
                             </a:schemeClr>
                           </a:solidFill>
                         </a:rPr>
-                        <a:t>PLANNED</a:t>
+                        <a:t>ompleted</a:t>
                       </a:r>
                     </a:p>
                   </a:txBody>
@@ -7477,6 +7470,33 @@
                     <a:bodyPr/>
                     <a:lstStyle/>
                     <a:p>
+                      <a:pPr marL="0" marR="0" lvl="0" indent="0" algn="l" defTabSz="914400" rtl="0" eaLnBrk="1" fontAlgn="auto" latinLnBrk="0" hangingPunct="1">
+                        <a:lnSpc>
+                          <a:spcPct val="100000"/>
+                        </a:lnSpc>
+                        <a:spcBef>
+                          <a:spcPts val="0"/>
+                        </a:spcBef>
+                        <a:spcAft>
+                          <a:spcPts val="0"/>
+                        </a:spcAft>
+                        <a:buClrTx/>
+                        <a:buSzTx/>
+                        <a:buFontTx/>
+                        <a:buNone/>
+                        <a:tabLst/>
+                        <a:defRPr/>
+                      </a:pPr>
+                      <a:r>
+                        <a:rPr lang="en-US" dirty="0">
+                          <a:solidFill>
+                            <a:schemeClr val="accent6">
+                              <a:lumMod val="50000"/>
+                            </a:schemeClr>
+                          </a:solidFill>
+                        </a:rPr>
+                        <a:t>C</a:t>
+                      </a:r>
                       <a:r>
                         <a:rPr lang="en-IN" dirty="0">
                           <a:solidFill>
@@ -7485,7 +7505,7 @@
                             </a:schemeClr>
                           </a:solidFill>
                         </a:rPr>
-                        <a:t>PLANNED</a:t>
+                        <a:t>ompleted</a:t>
                       </a:r>
                     </a:p>
                   </a:txBody>
@@ -7598,6 +7618,16 @@
                     <a:lstStyle/>
                     <a:p>
                       <a:r>
+                        <a:rPr lang="en-US" dirty="0">
+                          <a:solidFill>
+                            <a:schemeClr val="accent6">
+                              <a:lumMod val="50000"/>
+                            </a:schemeClr>
+                          </a:solidFill>
+                        </a:rPr>
+                        <a:t>C</a:t>
+                      </a:r>
+                      <a:r>
                         <a:rPr lang="en-IN" dirty="0">
                           <a:solidFill>
                             <a:schemeClr val="accent6">
@@ -7605,7 +7635,7 @@
                             </a:schemeClr>
                           </a:solidFill>
                         </a:rPr>
-                        <a:t>PLANNED</a:t>
+                        <a:t>ompleted</a:t>
                       </a:r>
                     </a:p>
                   </a:txBody>
@@ -7704,6 +7734,16 @@
                     <a:lstStyle/>
                     <a:p>
                       <a:r>
+                        <a:rPr lang="en-US" dirty="0">
+                          <a:solidFill>
+                            <a:schemeClr val="accent6">
+                              <a:lumMod val="50000"/>
+                            </a:schemeClr>
+                          </a:solidFill>
+                        </a:rPr>
+                        <a:t>C</a:t>
+                      </a:r>
+                      <a:r>
                         <a:rPr lang="en-IN" dirty="0">
                           <a:solidFill>
                             <a:schemeClr val="accent6">
@@ -7711,7 +7751,7 @@
                             </a:schemeClr>
                           </a:solidFill>
                         </a:rPr>
-                        <a:t>PLANNED</a:t>
+                        <a:t>ompleted</a:t>
                       </a:r>
                     </a:p>
                   </a:txBody>
@@ -9410,14 +9450,14 @@
             <p:ph idx="1"/>
             <p:extLst>
               <p:ext uri="{D42A27DB-BD31-4B8C-83A1-F6EECF244321}">
-                <p14:modId xmlns:p14="http://schemas.microsoft.com/office/powerpoint/2010/main" val="3070928982"/>
+                <p14:modId xmlns:p14="http://schemas.microsoft.com/office/powerpoint/2010/main" val="2453537726"/>
               </p:ext>
             </p:extLst>
           </p:nvPr>
         </p:nvGraphicFramePr>
         <p:xfrm>
-          <a:off x="621804" y="1615024"/>
-          <a:ext cx="10801199" cy="4478270"/>
+          <a:off x="621804" y="1340768"/>
+          <a:ext cx="10801199" cy="4752527"/>
         </p:xfrm>
         <a:graphic>
           <a:graphicData uri="http://schemas.openxmlformats.org/drawingml/2006/table">
@@ -9469,7 +9509,7 @@
                   </a:extLst>
                 </a:gridCol>
               </a:tblGrid>
-              <a:tr h="830577">
+              <a:tr h="881443">
                 <a:tc>
                   <a:txBody>
                     <a:bodyPr/>
@@ -9721,7 +9761,7 @@
                   </a:ext>
                 </a:extLst>
               </a:tr>
-              <a:tr h="521099">
+              <a:tr h="553012">
                 <a:tc>
                   <a:txBody>
                     <a:bodyPr/>
@@ -9875,7 +9915,7 @@
                   </a:ext>
                 </a:extLst>
               </a:tr>
-              <a:tr h="521099">
+              <a:tr h="553012">
                 <a:tc>
                   <a:txBody>
                     <a:bodyPr/>
@@ -9966,10 +10006,25 @@
                     <a:p>
                       <a:pPr algn="ctr"/>
                       <a:r>
-                        <a:rPr lang="en-US" sz="1800" dirty="0"/>
-                        <a:t>PLANNED</a:t>
-                      </a:r>
-                      <a:endParaRPr lang="en-IN" sz="1800" dirty="0"/>
+                        <a:rPr lang="en-US" dirty="0">
+                          <a:solidFill>
+                            <a:schemeClr val="accent6">
+                              <a:lumMod val="50000"/>
+                            </a:schemeClr>
+                          </a:solidFill>
+                        </a:rPr>
+                        <a:t>C</a:t>
+                      </a:r>
+                      <a:r>
+                        <a:rPr lang="en-IN" dirty="0">
+                          <a:solidFill>
+                            <a:schemeClr val="accent6">
+                              <a:lumMod val="50000"/>
+                            </a:schemeClr>
+                          </a:solidFill>
+                        </a:rPr>
+                        <a:t>ompleted</a:t>
+                      </a:r>
                     </a:p>
                   </a:txBody>
                   <a:tcPr anchor="ctr">
@@ -9984,7 +10039,7 @@
                   </a:ext>
                 </a:extLst>
               </a:tr>
-              <a:tr h="521099">
+              <a:tr h="553012">
                 <a:tc>
                   <a:txBody>
                     <a:bodyPr/>
@@ -10059,115 +10114,6 @@
                       <a:r>
                         <a:rPr lang="en-IN" sz="1800" dirty="0"/>
                         <a:t>5 Days</a:t>
-                      </a:r>
-                    </a:p>
-                  </a:txBody>
-                  <a:tcPr anchor="ctr">
-                    <a:solidFill>
-                      <a:srgbClr val="D4CECC"/>
-                    </a:solidFill>
-                  </a:tcPr>
-                </a:tc>
-                <a:tc>
-                  <a:txBody>
-                    <a:bodyPr/>
-                    <a:lstStyle/>
-                    <a:p>
-                      <a:pPr algn="ctr"/>
-                      <a:r>
-                        <a:rPr lang="en-US" sz="1800" dirty="0"/>
-                        <a:t>PLANNED</a:t>
-                      </a:r>
-                      <a:endParaRPr lang="en-IN" sz="1800" dirty="0"/>
-                    </a:p>
-                  </a:txBody>
-                  <a:tcPr anchor="ctr">
-                    <a:solidFill>
-                      <a:srgbClr val="D4CECC"/>
-                    </a:solidFill>
-                  </a:tcPr>
-                </a:tc>
-                <a:extLst>
-                  <a:ext uri="{0D108BD9-81ED-4DB2-BD59-A6C34878D82A}">
-                    <a16:rowId xmlns:a16="http://schemas.microsoft.com/office/drawing/2014/main" val="1273649182"/>
-                  </a:ext>
-                </a:extLst>
-              </a:tr>
-              <a:tr h="521099">
-                <a:tc>
-                  <a:txBody>
-                    <a:bodyPr/>
-                    <a:lstStyle/>
-                    <a:p>
-                      <a:pPr algn="ctr"/>
-                      <a:r>
-                        <a:rPr lang="en-IN" sz="1800" dirty="0"/>
-                        <a:t>11</a:t>
-                      </a:r>
-                    </a:p>
-                  </a:txBody>
-                  <a:tcPr anchor="ctr">
-                    <a:solidFill>
-                      <a:srgbClr val="D4CECC"/>
-                    </a:solidFill>
-                  </a:tcPr>
-                </a:tc>
-                <a:tc vMerge="1">
-                  <a:txBody>
-                    <a:bodyPr/>
-                    <a:lstStyle/>
-                    <a:p>
-                      <a:pPr algn="ctr"/>
-                      <a:endParaRPr lang="en-IN" dirty="0"/>
-                    </a:p>
-                  </a:txBody>
-                  <a:tcPr anchor="ctr"/>
-                </a:tc>
-                <a:tc>
-                  <a:txBody>
-                    <a:bodyPr/>
-                    <a:lstStyle/>
-                    <a:p>
-                      <a:pPr algn="ctr"/>
-                      <a:r>
-                        <a:rPr lang="en-IN" sz="1800" dirty="0"/>
-                        <a:t>06/04/2023</a:t>
-                      </a:r>
-                    </a:p>
-                  </a:txBody>
-                  <a:tcPr anchor="ctr">
-                    <a:solidFill>
-                      <a:srgbClr val="D4CECC"/>
-                    </a:solidFill>
-                  </a:tcPr>
-                </a:tc>
-                <a:tc>
-                  <a:txBody>
-                    <a:bodyPr/>
-                    <a:lstStyle/>
-                    <a:p>
-                      <a:pPr algn="ctr"/>
-                      <a:r>
-                        <a:rPr lang="en-IN" sz="1800" dirty="0"/>
-                        <a:t>11/04/2023</a:t>
-                      </a:r>
-                    </a:p>
-                  </a:txBody>
-                  <a:tcPr anchor="ctr">
-                    <a:solidFill>
-                      <a:srgbClr val="D4CECC"/>
-                    </a:solidFill>
-                  </a:tcPr>
-                </a:tc>
-                <a:tc>
-                  <a:txBody>
-                    <a:bodyPr/>
-                    <a:lstStyle/>
-                    <a:p>
-                      <a:pPr algn="ctr"/>
-                      <a:r>
-                        <a:rPr lang="en-IN" sz="1800" dirty="0"/>
-                        <a:t>6 Days</a:t>
                       </a:r>
                     </a:p>
                   </a:txBody>
@@ -10200,10 +10146,59 @@
                         <a:defRPr/>
                       </a:pPr>
                       <a:r>
-                        <a:rPr lang="en-US" sz="1800" dirty="0"/>
-                        <a:t>PLANNED</a:t>
-                      </a:r>
-                      <a:endParaRPr lang="en-IN" sz="1800" dirty="0"/>
+                        <a:rPr kumimoji="0" lang="en-US" sz="1800" b="0" i="0" u="none" strike="noStrike" kern="1200" cap="none" spc="0" normalizeH="0" baseline="0" noProof="0">
+                          <a:ln>
+                            <a:noFill/>
+                          </a:ln>
+                          <a:solidFill>
+                            <a:srgbClr val="B95E14">
+                              <a:lumMod val="50000"/>
+                            </a:srgbClr>
+                          </a:solidFill>
+                          <a:effectLst/>
+                          <a:uLnTx/>
+                          <a:uFillTx/>
+                          <a:latin typeface="Constantia"/>
+                          <a:ea typeface="+mn-ea"/>
+                          <a:cs typeface="+mn-cs"/>
+                        </a:rPr>
+                        <a:t>C</a:t>
+                      </a:r>
+                      <a:r>
+                        <a:rPr kumimoji="0" lang="en-IN" sz="1800" b="0" i="0" u="none" strike="noStrike" kern="1200" cap="none" spc="0" normalizeH="0" baseline="0" noProof="0">
+                          <a:ln>
+                            <a:noFill/>
+                          </a:ln>
+                          <a:solidFill>
+                            <a:srgbClr val="B95E14">
+                              <a:lumMod val="50000"/>
+                            </a:srgbClr>
+                          </a:solidFill>
+                          <a:effectLst/>
+                          <a:uLnTx/>
+                          <a:uFillTx/>
+                          <a:latin typeface="Constantia"/>
+                          <a:ea typeface="+mn-ea"/>
+                          <a:cs typeface="+mn-cs"/>
+                        </a:rPr>
+                        <a:t>ompleted</a:t>
+                      </a:r>
+                      <a:endParaRPr kumimoji="0" lang="en-IN" sz="1800" b="0" i="0" u="none" strike="noStrike" kern="1200" cap="none" spc="0" normalizeH="0" baseline="0" noProof="0" dirty="0">
+                        <a:ln>
+                          <a:noFill/>
+                        </a:ln>
+                        <a:solidFill>
+                          <a:srgbClr val="B95E14">
+                            <a:lumMod val="50000"/>
+                          </a:srgbClr>
+                        </a:solidFill>
+                        <a:effectLst/>
+                        <a:uLnTx/>
+                        <a:uFillTx/>
+                        <a:latin typeface="Constantia"/>
+                        <a:ea typeface="+mn-ea"/>
+                        <a:cs typeface="+mn-cs"/>
+                      </a:endParaRPr>
                     </a:p>
                   </a:txBody>
                   <a:tcPr anchor="ctr">
@@ -10214,11 +10209,11 @@
                 </a:tc>
                 <a:extLst>
                   <a:ext uri="{0D108BD9-81ED-4DB2-BD59-A6C34878D82A}">
-                    <a16:rowId xmlns:a16="http://schemas.microsoft.com/office/drawing/2014/main" val="4151924595"/>
+                    <a16:rowId xmlns:a16="http://schemas.microsoft.com/office/drawing/2014/main" val="1273649182"/>
                   </a:ext>
                 </a:extLst>
               </a:tr>
-              <a:tr h="521099">
+              <a:tr h="553012">
                 <a:tc>
                   <a:txBody>
                     <a:bodyPr/>
@@ -10226,34 +10221,43 @@
                     <a:p>
                       <a:pPr algn="ctr"/>
                       <a:r>
-                        <a:rPr lang="en-US" sz="1800" dirty="0"/>
-                        <a:t>12</a:t>
-                      </a:r>
-                      <a:endParaRPr lang="en-IN" sz="1800" dirty="0"/>
+                        <a:rPr lang="en-IN" sz="1800" dirty="0"/>
+                        <a:t>11</a:t>
+                      </a:r>
                     </a:p>
                   </a:txBody>
                   <a:tcPr anchor="ctr">
                     <a:solidFill>
-                      <a:srgbClr val="A4A1A0"/>
+                      <a:srgbClr val="D4CECC"/>
                     </a:solidFill>
                   </a:tcPr>
                 </a:tc>
-                <a:tc rowSpan="3">
+                <a:tc vMerge="1">
                   <a:txBody>
                     <a:bodyPr/>
                     <a:lstStyle/>
                     <a:p>
                       <a:pPr algn="ctr"/>
-                      <a:r>
-                        <a:rPr lang="en-US" sz="1800" dirty="0"/>
-                        <a:t>Sprint 4</a:t>
-                      </a:r>
-                      <a:endParaRPr lang="en-IN" sz="1800" dirty="0"/>
+                      <a:endParaRPr lang="en-IN" dirty="0"/>
+                    </a:p>
+                  </a:txBody>
+                  <a:tcPr anchor="ctr"/>
+                </a:tc>
+                <a:tc>
+                  <a:txBody>
+                    <a:bodyPr/>
+                    <a:lstStyle/>
+                    <a:p>
+                      <a:pPr algn="ctr"/>
+                      <a:r>
+                        <a:rPr lang="en-IN" sz="1800" dirty="0"/>
+                        <a:t>06/04/2023</a:t>
+                      </a:r>
                     </a:p>
                   </a:txBody>
                   <a:tcPr anchor="ctr">
                     <a:solidFill>
-                      <a:srgbClr val="A4A1A0"/>
+                      <a:srgbClr val="D4CECC"/>
                     </a:solidFill>
                   </a:tcPr>
                 </a:tc>
@@ -10264,15 +10268,14 @@
                     <a:p>
                       <a:pPr algn="ctr"/>
                       <a:r>
-                        <a:rPr lang="en-US" sz="1800" dirty="0"/>
-                        <a:t>15/04/2022</a:t>
-                      </a:r>
-                      <a:endParaRPr lang="en-IN" sz="1800" dirty="0"/>
+                        <a:rPr lang="en-IN" sz="1800" dirty="0"/>
+                        <a:t>11/04/2023</a:t>
+                      </a:r>
                     </a:p>
                   </a:txBody>
                   <a:tcPr anchor="ctr">
                     <a:solidFill>
-                      <a:srgbClr val="A4A1A0"/>
+                      <a:srgbClr val="D4CECC"/>
                     </a:solidFill>
                   </a:tcPr>
                 </a:tc>
@@ -10284,249 +10287,13 @@
                       <a:pPr algn="ctr"/>
                       <a:r>
                         <a:rPr lang="en-IN" sz="1800" dirty="0"/>
-                        <a:t>22/04/2023</a:t>
+                        <a:t>6 Days</a:t>
                       </a:r>
                     </a:p>
                   </a:txBody>
                   <a:tcPr anchor="ctr">
                     <a:solidFill>
-                      <a:srgbClr val="A4A1A0"/>
-                    </a:solidFill>
-                  </a:tcPr>
-                </a:tc>
-                <a:tc>
-                  <a:txBody>
-                    <a:bodyPr/>
-                    <a:lstStyle/>
-                    <a:p>
-                      <a:pPr algn="ctr"/>
-                      <a:r>
-                        <a:rPr lang="en-IN" sz="1800" dirty="0"/>
-                        <a:t>8 Days</a:t>
-                      </a:r>
-                    </a:p>
-                  </a:txBody>
-                  <a:tcPr anchor="ctr">
-                    <a:solidFill>
-                      <a:srgbClr val="A4A1A0"/>
-                    </a:solidFill>
-                  </a:tcPr>
-                </a:tc>
-                <a:tc>
-                  <a:txBody>
-                    <a:bodyPr/>
-                    <a:lstStyle/>
-                    <a:p>
-                      <a:pPr algn="ctr"/>
-                      <a:r>
-                        <a:rPr lang="en-US" sz="1800" dirty="0"/>
-                        <a:t>PLANNED</a:t>
-                      </a:r>
-                      <a:endParaRPr lang="en-IN" sz="1800" dirty="0"/>
-                    </a:p>
-                  </a:txBody>
-                  <a:tcPr anchor="ctr">
-                    <a:solidFill>
-                      <a:srgbClr val="A4A1A0"/>
-                    </a:solidFill>
-                  </a:tcPr>
-                </a:tc>
-                <a:extLst>
-                  <a:ext uri="{0D108BD9-81ED-4DB2-BD59-A6C34878D82A}">
-                    <a16:rowId xmlns:a16="http://schemas.microsoft.com/office/drawing/2014/main" val="1182828279"/>
-                  </a:ext>
-                </a:extLst>
-              </a:tr>
-              <a:tr h="521099">
-                <a:tc>
-                  <a:txBody>
-                    <a:bodyPr/>
-                    <a:lstStyle/>
-                    <a:p>
-                      <a:pPr algn="ctr"/>
-                      <a:r>
-                        <a:rPr lang="en-US" sz="1800" dirty="0"/>
-                        <a:t>13</a:t>
-                      </a:r>
-                      <a:endParaRPr lang="en-IN" sz="1800" dirty="0"/>
-                    </a:p>
-                  </a:txBody>
-                  <a:tcPr anchor="ctr">
-                    <a:solidFill>
-                      <a:srgbClr val="A4A1A0"/>
-                    </a:solidFill>
-                  </a:tcPr>
-                </a:tc>
-                <a:tc vMerge="1">
-                  <a:txBody>
-                    <a:bodyPr/>
-                    <a:lstStyle/>
-                    <a:p>
-                      <a:endParaRPr lang="en-IN" dirty="0"/>
-                    </a:p>
-                  </a:txBody>
-                  <a:tcPr/>
-                </a:tc>
-                <a:tc>
-                  <a:txBody>
-                    <a:bodyPr/>
-                    <a:lstStyle/>
-                    <a:p>
-                      <a:pPr algn="ctr"/>
-                      <a:r>
-                        <a:rPr lang="en-IN" sz="1800" dirty="0"/>
-                        <a:t>23/04/2023</a:t>
-                      </a:r>
-                    </a:p>
-                  </a:txBody>
-                  <a:tcPr anchor="ctr">
-                    <a:solidFill>
-                      <a:srgbClr val="A4A1A0"/>
-                    </a:solidFill>
-                  </a:tcPr>
-                </a:tc>
-                <a:tc>
-                  <a:txBody>
-                    <a:bodyPr/>
-                    <a:lstStyle/>
-                    <a:p>
-                      <a:pPr algn="ctr"/>
-                      <a:r>
-                        <a:rPr lang="en-IN" sz="1800" dirty="0"/>
-                        <a:t>01/05/2023</a:t>
-                      </a:r>
-                    </a:p>
-                  </a:txBody>
-                  <a:tcPr anchor="ctr">
-                    <a:solidFill>
-                      <a:srgbClr val="A4A1A0"/>
-                    </a:solidFill>
-                  </a:tcPr>
-                </a:tc>
-                <a:tc>
-                  <a:txBody>
-                    <a:bodyPr/>
-                    <a:lstStyle/>
-                    <a:p>
-                      <a:pPr algn="ctr"/>
-                      <a:r>
-                        <a:rPr lang="en-IN" sz="1800" dirty="0"/>
-                        <a:t>9 Days</a:t>
-                      </a:r>
-                    </a:p>
-                  </a:txBody>
-                  <a:tcPr anchor="ctr">
-                    <a:solidFill>
-                      <a:srgbClr val="A4A1A0"/>
-                    </a:solidFill>
-                  </a:tcPr>
-                </a:tc>
-                <a:tc>
-                  <a:txBody>
-                    <a:bodyPr/>
-                    <a:lstStyle/>
-                    <a:p>
-                      <a:pPr algn="ctr"/>
-                      <a:r>
-                        <a:rPr lang="en-US" sz="1800" dirty="0"/>
-                        <a:t>PLANNED</a:t>
-                      </a:r>
-                      <a:endParaRPr lang="en-IN" sz="1800" dirty="0"/>
-                    </a:p>
-                  </a:txBody>
-                  <a:tcPr anchor="ctr">
-                    <a:solidFill>
-                      <a:srgbClr val="A4A1A0"/>
-                    </a:solidFill>
-                  </a:tcPr>
-                </a:tc>
-                <a:extLst>
-                  <a:ext uri="{0D108BD9-81ED-4DB2-BD59-A6C34878D82A}">
-                    <a16:rowId xmlns:a16="http://schemas.microsoft.com/office/drawing/2014/main" val="1134580361"/>
-                  </a:ext>
-                </a:extLst>
-              </a:tr>
-              <a:tr h="521099">
-                <a:tc>
-                  <a:txBody>
-                    <a:bodyPr/>
-                    <a:lstStyle/>
-                    <a:p>
-                      <a:pPr algn="ctr"/>
-                      <a:r>
-                        <a:rPr lang="en-IN" sz="1800" dirty="0"/>
-                        <a:t>14</a:t>
-                      </a:r>
-                    </a:p>
-                  </a:txBody>
-                  <a:tcPr anchor="ctr">
-                    <a:solidFill>
-                      <a:srgbClr val="A4A1A0"/>
-                    </a:solidFill>
-                  </a:tcPr>
-                </a:tc>
-                <a:tc vMerge="1">
-                  <a:txBody>
-                    <a:bodyPr/>
-                    <a:lstStyle/>
-                    <a:p>
-                      <a:pPr algn="ctr"/>
-                      <a:endParaRPr lang="en-IN" dirty="0"/>
-                    </a:p>
-                  </a:txBody>
-                  <a:tcPr anchor="ctr"/>
-                </a:tc>
-                <a:tc>
-                  <a:txBody>
-                    <a:bodyPr/>
-                    <a:lstStyle/>
-                    <a:p>
-                      <a:pPr algn="ctr"/>
-                      <a:r>
-                        <a:rPr lang="en-IN" sz="1800" dirty="0"/>
-                        <a:t>02/05/2023s</a:t>
-                      </a:r>
-                    </a:p>
-                  </a:txBody>
-                  <a:tcPr anchor="ctr">
-                    <a:solidFill>
-                      <a:srgbClr val="A4A1A0"/>
-                    </a:solidFill>
-                  </a:tcPr>
-                </a:tc>
-                <a:tc>
-                  <a:txBody>
-                    <a:bodyPr/>
-                    <a:lstStyle/>
-                    <a:p>
-                      <a:pPr algn="ctr"/>
-                      <a:r>
-                        <a:rPr lang="en-IN" sz="1800" dirty="0"/>
-                        <a:t>05/05/2023</a:t>
-                      </a:r>
-                    </a:p>
-                  </a:txBody>
-                  <a:tcPr anchor="ctr">
-                    <a:solidFill>
-                      <a:srgbClr val="A4A1A0"/>
-                    </a:solidFill>
-                  </a:tcPr>
-                </a:tc>
-                <a:tc>
-                  <a:txBody>
-                    <a:bodyPr/>
-                    <a:lstStyle/>
-                    <a:p>
-                      <a:pPr algn="ctr"/>
-                      <a:r>
-                        <a:rPr lang="en-IN" sz="1800" dirty="0"/>
-                        <a:t>4 Days</a:t>
-                      </a:r>
-                    </a:p>
-                  </a:txBody>
-                  <a:tcPr anchor="ctr">
-                    <a:solidFill>
-                      <a:srgbClr val="A4A1A0"/>
+                      <a:srgbClr val="D4CECC"/>
                     </a:solidFill>
                   </a:tcPr>
                 </a:tc>
@@ -10553,10 +10320,575 @@
                         <a:defRPr/>
                       </a:pPr>
                       <a:r>
+                        <a:rPr kumimoji="0" lang="en-US" sz="1800" b="0" i="0" u="none" strike="noStrike" kern="1200" cap="none" spc="0" normalizeH="0" baseline="0" noProof="0">
+                          <a:ln>
+                            <a:noFill/>
+                          </a:ln>
+                          <a:solidFill>
+                            <a:srgbClr val="B95E14">
+                              <a:lumMod val="50000"/>
+                            </a:srgbClr>
+                          </a:solidFill>
+                          <a:effectLst/>
+                          <a:uLnTx/>
+                          <a:uFillTx/>
+                          <a:latin typeface="Constantia"/>
+                          <a:ea typeface="+mn-ea"/>
+                          <a:cs typeface="+mn-cs"/>
+                        </a:rPr>
+                        <a:t>C</a:t>
+                      </a:r>
+                      <a:r>
+                        <a:rPr kumimoji="0" lang="en-IN" sz="1800" b="0" i="0" u="none" strike="noStrike" kern="1200" cap="none" spc="0" normalizeH="0" baseline="0" noProof="0">
+                          <a:ln>
+                            <a:noFill/>
+                          </a:ln>
+                          <a:solidFill>
+                            <a:srgbClr val="B95E14">
+                              <a:lumMod val="50000"/>
+                            </a:srgbClr>
+                          </a:solidFill>
+                          <a:effectLst/>
+                          <a:uLnTx/>
+                          <a:uFillTx/>
+                          <a:latin typeface="Constantia"/>
+                          <a:ea typeface="+mn-ea"/>
+                          <a:cs typeface="+mn-cs"/>
+                        </a:rPr>
+                        <a:t>ompleted</a:t>
+                      </a:r>
+                      <a:endParaRPr kumimoji="0" lang="en-IN" sz="1800" b="0" i="0" u="none" strike="noStrike" kern="1200" cap="none" spc="0" normalizeH="0" baseline="0" noProof="0" dirty="0">
+                        <a:ln>
+                          <a:noFill/>
+                        </a:ln>
+                        <a:solidFill>
+                          <a:srgbClr val="B95E14">
+                            <a:lumMod val="50000"/>
+                          </a:srgbClr>
+                        </a:solidFill>
+                        <a:effectLst/>
+                        <a:uLnTx/>
+                        <a:uFillTx/>
+                        <a:latin typeface="Constantia"/>
+                        <a:ea typeface="+mn-ea"/>
+                        <a:cs typeface="+mn-cs"/>
+                      </a:endParaRPr>
+                    </a:p>
+                  </a:txBody>
+                  <a:tcPr anchor="ctr">
+                    <a:solidFill>
+                      <a:srgbClr val="D4CECC"/>
+                    </a:solidFill>
+                  </a:tcPr>
+                </a:tc>
+                <a:extLst>
+                  <a:ext uri="{0D108BD9-81ED-4DB2-BD59-A6C34878D82A}">
+                    <a16:rowId xmlns:a16="http://schemas.microsoft.com/office/drawing/2014/main" val="4151924595"/>
+                  </a:ext>
+                </a:extLst>
+              </a:tr>
+              <a:tr h="553012">
+                <a:tc>
+                  <a:txBody>
+                    <a:bodyPr/>
+                    <a:lstStyle/>
+                    <a:p>
+                      <a:pPr algn="ctr"/>
+                      <a:r>
                         <a:rPr lang="en-US" sz="1800" dirty="0"/>
-                        <a:t>PLANNED</a:t>
+                        <a:t>12</a:t>
                       </a:r>
                       <a:endParaRPr lang="en-IN" sz="1800" dirty="0"/>
+                    </a:p>
+                  </a:txBody>
+                  <a:tcPr anchor="ctr">
+                    <a:solidFill>
+                      <a:srgbClr val="A4A1A0"/>
+                    </a:solidFill>
+                  </a:tcPr>
+                </a:tc>
+                <a:tc rowSpan="3">
+                  <a:txBody>
+                    <a:bodyPr/>
+                    <a:lstStyle/>
+                    <a:p>
+                      <a:pPr algn="ctr"/>
+                      <a:r>
+                        <a:rPr lang="en-US" sz="1800" dirty="0"/>
+                        <a:t>Sprint 4</a:t>
+                      </a:r>
+                      <a:endParaRPr lang="en-IN" sz="1800" dirty="0"/>
+                    </a:p>
+                  </a:txBody>
+                  <a:tcPr anchor="ctr">
+                    <a:solidFill>
+                      <a:srgbClr val="A4A1A0"/>
+                    </a:solidFill>
+                  </a:tcPr>
+                </a:tc>
+                <a:tc>
+                  <a:txBody>
+                    <a:bodyPr/>
+                    <a:lstStyle/>
+                    <a:p>
+                      <a:pPr algn="ctr"/>
+                      <a:r>
+                        <a:rPr lang="en-US" sz="1800" dirty="0"/>
+                        <a:t>15/04/2022</a:t>
+                      </a:r>
+                      <a:endParaRPr lang="en-IN" sz="1800" dirty="0"/>
+                    </a:p>
+                  </a:txBody>
+                  <a:tcPr anchor="ctr">
+                    <a:solidFill>
+                      <a:srgbClr val="A4A1A0"/>
+                    </a:solidFill>
+                  </a:tcPr>
+                </a:tc>
+                <a:tc>
+                  <a:txBody>
+                    <a:bodyPr/>
+                    <a:lstStyle/>
+                    <a:p>
+                      <a:pPr algn="ctr"/>
+                      <a:r>
+                        <a:rPr lang="en-IN" sz="1800" dirty="0"/>
+                        <a:t>22/04/2023</a:t>
+                      </a:r>
+                    </a:p>
+                  </a:txBody>
+                  <a:tcPr anchor="ctr">
+                    <a:solidFill>
+                      <a:srgbClr val="A4A1A0"/>
+                    </a:solidFill>
+                  </a:tcPr>
+                </a:tc>
+                <a:tc>
+                  <a:txBody>
+                    <a:bodyPr/>
+                    <a:lstStyle/>
+                    <a:p>
+                      <a:pPr algn="ctr"/>
+                      <a:r>
+                        <a:rPr lang="en-IN" sz="1800" dirty="0"/>
+                        <a:t>8 Days</a:t>
+                      </a:r>
+                    </a:p>
+                  </a:txBody>
+                  <a:tcPr anchor="ctr">
+                    <a:solidFill>
+                      <a:srgbClr val="A4A1A0"/>
+                    </a:solidFill>
+                  </a:tcPr>
+                </a:tc>
+                <a:tc>
+                  <a:txBody>
+                    <a:bodyPr/>
+                    <a:lstStyle/>
+                    <a:p>
+                      <a:pPr marL="0" marR="0" lvl="0" indent="0" algn="ctr" defTabSz="914400" rtl="0" eaLnBrk="1" fontAlgn="auto" latinLnBrk="0" hangingPunct="1">
+                        <a:lnSpc>
+                          <a:spcPct val="100000"/>
+                        </a:lnSpc>
+                        <a:spcBef>
+                          <a:spcPts val="0"/>
+                        </a:spcBef>
+                        <a:spcAft>
+                          <a:spcPts val="0"/>
+                        </a:spcAft>
+                        <a:buClrTx/>
+                        <a:buSzTx/>
+                        <a:buFontTx/>
+                        <a:buNone/>
+                        <a:tabLst/>
+                        <a:defRPr/>
+                      </a:pPr>
+                      <a:r>
+                        <a:rPr kumimoji="0" lang="en-US" sz="1800" b="0" i="0" u="none" strike="noStrike" kern="1200" cap="none" spc="0" normalizeH="0" baseline="0" noProof="0">
+                          <a:ln>
+                            <a:noFill/>
+                          </a:ln>
+                          <a:solidFill>
+                            <a:srgbClr val="B95E14">
+                              <a:lumMod val="50000"/>
+                            </a:srgbClr>
+                          </a:solidFill>
+                          <a:effectLst/>
+                          <a:uLnTx/>
+                          <a:uFillTx/>
+                          <a:latin typeface="Constantia"/>
+                          <a:ea typeface="+mn-ea"/>
+                          <a:cs typeface="+mn-cs"/>
+                        </a:rPr>
+                        <a:t>C</a:t>
+                      </a:r>
+                      <a:r>
+                        <a:rPr kumimoji="0" lang="en-IN" sz="1800" b="0" i="0" u="none" strike="noStrike" kern="1200" cap="none" spc="0" normalizeH="0" baseline="0" noProof="0">
+                          <a:ln>
+                            <a:noFill/>
+                          </a:ln>
+                          <a:solidFill>
+                            <a:srgbClr val="B95E14">
+                              <a:lumMod val="50000"/>
+                            </a:srgbClr>
+                          </a:solidFill>
+                          <a:effectLst/>
+                          <a:uLnTx/>
+                          <a:uFillTx/>
+                          <a:latin typeface="Constantia"/>
+                          <a:ea typeface="+mn-ea"/>
+                          <a:cs typeface="+mn-cs"/>
+                        </a:rPr>
+                        <a:t>ompleted</a:t>
+                      </a:r>
+                      <a:endParaRPr kumimoji="0" lang="en-IN" sz="1800" b="0" i="0" u="none" strike="noStrike" kern="1200" cap="none" spc="0" normalizeH="0" baseline="0" noProof="0" dirty="0">
+                        <a:ln>
+                          <a:noFill/>
+                        </a:ln>
+                        <a:solidFill>
+                          <a:srgbClr val="B95E14">
+                            <a:lumMod val="50000"/>
+                          </a:srgbClr>
+                        </a:solidFill>
+                        <a:effectLst/>
+                        <a:uLnTx/>
+                        <a:uFillTx/>
+                        <a:latin typeface="Constantia"/>
+                        <a:ea typeface="+mn-ea"/>
+                        <a:cs typeface="+mn-cs"/>
+                      </a:endParaRPr>
+                    </a:p>
+                  </a:txBody>
+                  <a:tcPr anchor="ctr">
+                    <a:solidFill>
+                      <a:srgbClr val="A4A1A0"/>
+                    </a:solidFill>
+                  </a:tcPr>
+                </a:tc>
+                <a:extLst>
+                  <a:ext uri="{0D108BD9-81ED-4DB2-BD59-A6C34878D82A}">
+                    <a16:rowId xmlns:a16="http://schemas.microsoft.com/office/drawing/2014/main" val="1182828279"/>
+                  </a:ext>
+                </a:extLst>
+              </a:tr>
+              <a:tr h="553012">
+                <a:tc>
+                  <a:txBody>
+                    <a:bodyPr/>
+                    <a:lstStyle/>
+                    <a:p>
+                      <a:pPr algn="ctr"/>
+                      <a:r>
+                        <a:rPr lang="en-US" sz="1800" dirty="0"/>
+                        <a:t>13</a:t>
+                      </a:r>
+                      <a:endParaRPr lang="en-IN" sz="1800" dirty="0"/>
+                    </a:p>
+                  </a:txBody>
+                  <a:tcPr anchor="ctr">
+                    <a:solidFill>
+                      <a:srgbClr val="A4A1A0"/>
+                    </a:solidFill>
+                  </a:tcPr>
+                </a:tc>
+                <a:tc vMerge="1">
+                  <a:txBody>
+                    <a:bodyPr/>
+                    <a:lstStyle/>
+                    <a:p>
+                      <a:endParaRPr lang="en-IN" dirty="0"/>
+                    </a:p>
+                  </a:txBody>
+                  <a:tcPr/>
+                </a:tc>
+                <a:tc>
+                  <a:txBody>
+                    <a:bodyPr/>
+                    <a:lstStyle/>
+                    <a:p>
+                      <a:pPr algn="ctr"/>
+                      <a:r>
+                        <a:rPr lang="en-IN" sz="1800" dirty="0"/>
+                        <a:t>23/04/2023</a:t>
+                      </a:r>
+                    </a:p>
+                  </a:txBody>
+                  <a:tcPr anchor="ctr">
+                    <a:solidFill>
+                      <a:srgbClr val="A4A1A0"/>
+                    </a:solidFill>
+                  </a:tcPr>
+                </a:tc>
+                <a:tc>
+                  <a:txBody>
+                    <a:bodyPr/>
+                    <a:lstStyle/>
+                    <a:p>
+                      <a:pPr algn="ctr"/>
+                      <a:r>
+                        <a:rPr lang="en-IN" sz="1800" dirty="0"/>
+                        <a:t>01/05/2023</a:t>
+                      </a:r>
+                    </a:p>
+                  </a:txBody>
+                  <a:tcPr anchor="ctr">
+                    <a:solidFill>
+                      <a:srgbClr val="A4A1A0"/>
+                    </a:solidFill>
+                  </a:tcPr>
+                </a:tc>
+                <a:tc>
+                  <a:txBody>
+                    <a:bodyPr/>
+                    <a:lstStyle/>
+                    <a:p>
+                      <a:pPr algn="ctr"/>
+                      <a:r>
+                        <a:rPr lang="en-IN" sz="1800" dirty="0"/>
+                        <a:t>9 Days</a:t>
+                      </a:r>
+                    </a:p>
+                  </a:txBody>
+                  <a:tcPr anchor="ctr">
+                    <a:solidFill>
+                      <a:srgbClr val="A4A1A0"/>
+                    </a:solidFill>
+                  </a:tcPr>
+                </a:tc>
+                <a:tc>
+                  <a:txBody>
+                    <a:bodyPr/>
+                    <a:lstStyle/>
+                    <a:p>
+                      <a:pPr marL="0" marR="0" lvl="0" indent="0" algn="ctr" defTabSz="914400" rtl="0" eaLnBrk="1" fontAlgn="auto" latinLnBrk="0" hangingPunct="1">
+                        <a:lnSpc>
+                          <a:spcPct val="100000"/>
+                        </a:lnSpc>
+                        <a:spcBef>
+                          <a:spcPts val="0"/>
+                        </a:spcBef>
+                        <a:spcAft>
+                          <a:spcPts val="0"/>
+                        </a:spcAft>
+                        <a:buClrTx/>
+                        <a:buSzTx/>
+                        <a:buFontTx/>
+                        <a:buNone/>
+                        <a:tabLst/>
+                        <a:defRPr/>
+                      </a:pPr>
+                      <a:r>
+                        <a:rPr kumimoji="0" lang="en-US" sz="1800" b="0" i="0" u="none" strike="noStrike" kern="1200" cap="none" spc="0" normalizeH="0" baseline="0" noProof="0">
+                          <a:ln>
+                            <a:noFill/>
+                          </a:ln>
+                          <a:solidFill>
+                            <a:srgbClr val="B95E14">
+                              <a:lumMod val="50000"/>
+                            </a:srgbClr>
+                          </a:solidFill>
+                          <a:effectLst/>
+                          <a:uLnTx/>
+                          <a:uFillTx/>
+                          <a:latin typeface="Constantia"/>
+                          <a:ea typeface="+mn-ea"/>
+                          <a:cs typeface="+mn-cs"/>
+                        </a:rPr>
+                        <a:t>C</a:t>
+                      </a:r>
+                      <a:r>
+                        <a:rPr kumimoji="0" lang="en-IN" sz="1800" b="0" i="0" u="none" strike="noStrike" kern="1200" cap="none" spc="0" normalizeH="0" baseline="0" noProof="0">
+                          <a:ln>
+                            <a:noFill/>
+                          </a:ln>
+                          <a:solidFill>
+                            <a:srgbClr val="B95E14">
+                              <a:lumMod val="50000"/>
+                            </a:srgbClr>
+                          </a:solidFill>
+                          <a:effectLst/>
+                          <a:uLnTx/>
+                          <a:uFillTx/>
+                          <a:latin typeface="Constantia"/>
+                          <a:ea typeface="+mn-ea"/>
+                          <a:cs typeface="+mn-cs"/>
+                        </a:rPr>
+                        <a:t>ompleted</a:t>
+                      </a:r>
+                      <a:endParaRPr kumimoji="0" lang="en-IN" sz="1800" b="0" i="0" u="none" strike="noStrike" kern="1200" cap="none" spc="0" normalizeH="0" baseline="0" noProof="0" dirty="0">
+                        <a:ln>
+                          <a:noFill/>
+                        </a:ln>
+                        <a:solidFill>
+                          <a:srgbClr val="B95E14">
+                            <a:lumMod val="50000"/>
+                          </a:srgbClr>
+                        </a:solidFill>
+                        <a:effectLst/>
+                        <a:uLnTx/>
+                        <a:uFillTx/>
+                        <a:latin typeface="Constantia"/>
+                        <a:ea typeface="+mn-ea"/>
+                        <a:cs typeface="+mn-cs"/>
+                      </a:endParaRPr>
+                    </a:p>
+                  </a:txBody>
+                  <a:tcPr anchor="ctr">
+                    <a:solidFill>
+                      <a:srgbClr val="A4A1A0"/>
+                    </a:solidFill>
+                  </a:tcPr>
+                </a:tc>
+                <a:extLst>
+                  <a:ext uri="{0D108BD9-81ED-4DB2-BD59-A6C34878D82A}">
+                    <a16:rowId xmlns:a16="http://schemas.microsoft.com/office/drawing/2014/main" val="1134580361"/>
+                  </a:ext>
+                </a:extLst>
+              </a:tr>
+              <a:tr h="553012">
+                <a:tc>
+                  <a:txBody>
+                    <a:bodyPr/>
+                    <a:lstStyle/>
+                    <a:p>
+                      <a:pPr algn="ctr"/>
+                      <a:r>
+                        <a:rPr lang="en-IN" sz="1800" dirty="0"/>
+                        <a:t>14</a:t>
+                      </a:r>
+                    </a:p>
+                  </a:txBody>
+                  <a:tcPr anchor="ctr">
+                    <a:solidFill>
+                      <a:srgbClr val="A4A1A0"/>
+                    </a:solidFill>
+                  </a:tcPr>
+                </a:tc>
+                <a:tc vMerge="1">
+                  <a:txBody>
+                    <a:bodyPr/>
+                    <a:lstStyle/>
+                    <a:p>
+                      <a:pPr algn="ctr"/>
+                      <a:endParaRPr lang="en-IN" dirty="0"/>
+                    </a:p>
+                  </a:txBody>
+                  <a:tcPr anchor="ctr"/>
+                </a:tc>
+                <a:tc>
+                  <a:txBody>
+                    <a:bodyPr/>
+                    <a:lstStyle/>
+                    <a:p>
+                      <a:pPr algn="ctr"/>
+                      <a:r>
+                        <a:rPr lang="en-IN" sz="1800" dirty="0"/>
+                        <a:t>02/05/2023</a:t>
+                      </a:r>
+                    </a:p>
+                  </a:txBody>
+                  <a:tcPr anchor="ctr">
+                    <a:solidFill>
+                      <a:srgbClr val="A4A1A0"/>
+                    </a:solidFill>
+                  </a:tcPr>
+                </a:tc>
+                <a:tc>
+                  <a:txBody>
+                    <a:bodyPr/>
+                    <a:lstStyle/>
+                    <a:p>
+                      <a:pPr algn="ctr"/>
+                      <a:r>
+                        <a:rPr lang="en-IN" sz="1800" dirty="0"/>
+                        <a:t>05/05/2023</a:t>
+                      </a:r>
+                    </a:p>
+                  </a:txBody>
+                  <a:tcPr anchor="ctr">
+                    <a:solidFill>
+                      <a:srgbClr val="A4A1A0"/>
+                    </a:solidFill>
+                  </a:tcPr>
+                </a:tc>
+                <a:tc>
+                  <a:txBody>
+                    <a:bodyPr/>
+                    <a:lstStyle/>
+                    <a:p>
+                      <a:pPr algn="ctr"/>
+                      <a:r>
+                        <a:rPr lang="en-IN" sz="1800" dirty="0"/>
+                        <a:t>4 Days</a:t>
+                      </a:r>
+                    </a:p>
+                  </a:txBody>
+                  <a:tcPr anchor="ctr">
+                    <a:solidFill>
+                      <a:srgbClr val="A4A1A0"/>
+                    </a:solidFill>
+                  </a:tcPr>
+                </a:tc>
+                <a:tc>
+                  <a:txBody>
+                    <a:bodyPr/>
+                    <a:lstStyle/>
+                    <a:p>
+                      <a:pPr marL="0" marR="0" lvl="0" indent="0" algn="ctr" defTabSz="914400" rtl="0" eaLnBrk="1" fontAlgn="auto" latinLnBrk="0" hangingPunct="1">
+                        <a:lnSpc>
+                          <a:spcPct val="100000"/>
+                        </a:lnSpc>
+                        <a:spcBef>
+                          <a:spcPts val="0"/>
+                        </a:spcBef>
+                        <a:spcAft>
+                          <a:spcPts val="0"/>
+                        </a:spcAft>
+                        <a:buClrTx/>
+                        <a:buSzTx/>
+                        <a:buFontTx/>
+                        <a:buNone/>
+                        <a:tabLst/>
+                        <a:defRPr/>
+                      </a:pPr>
+                      <a:r>
+                        <a:rPr kumimoji="0" lang="en-US" sz="1800" b="0" i="0" u="none" strike="noStrike" kern="1200" cap="none" spc="0" normalizeH="0" baseline="0" noProof="0" dirty="0">
+                          <a:ln>
+                            <a:noFill/>
+                          </a:ln>
+                          <a:solidFill>
+                            <a:srgbClr val="B95E14">
+                              <a:lumMod val="50000"/>
+                            </a:srgbClr>
+                          </a:solidFill>
+                          <a:effectLst/>
+                          <a:uLnTx/>
+                          <a:uFillTx/>
+                          <a:latin typeface="Constantia"/>
+                          <a:ea typeface="+mn-ea"/>
+                          <a:cs typeface="+mn-cs"/>
+                        </a:rPr>
+                        <a:t>C</a:t>
+                      </a:r>
+                      <a:r>
+                        <a:rPr kumimoji="0" lang="en-IN" sz="1800" b="0" i="0" u="none" strike="noStrike" kern="1200" cap="none" spc="0" normalizeH="0" baseline="0" noProof="0" dirty="0">
+                          <a:ln>
+                            <a:noFill/>
+                          </a:ln>
+                          <a:solidFill>
+                            <a:srgbClr val="B95E14">
+                              <a:lumMod val="50000"/>
+                            </a:srgbClr>
+                          </a:solidFill>
+                          <a:effectLst/>
+                          <a:uLnTx/>
+                          <a:uFillTx/>
+                          <a:latin typeface="Constantia"/>
+                          <a:ea typeface="+mn-ea"/>
+                          <a:cs typeface="+mn-cs"/>
+                        </a:rPr>
+                        <a:t>ompleted</a:t>
+                      </a:r>
                     </a:p>
                   </a:txBody>
                   <a:tcPr anchor="ctr">
@@ -14834,15 +15166,6 @@
 </file>
 
 <file path=customXml/item1.xml><?xml version="1.0" encoding="utf-8"?>
-<?mso-contentType ?>
-<FormTemplates xmlns="http://schemas.microsoft.com/sharepoint/v3/contenttype/forms">
-  <Display>DocumentLibraryForm</Display>
-  <Edit>AssetEditForm</Edit>
-  <New>DocumentLibraryForm</New>
-</FormTemplates>
-</file>
-
-<file path=customXml/item2.xml><?xml version="1.0" encoding="utf-8"?>
 <ct:contentTypeSchema xmlns:ct="http://schemas.microsoft.com/office/2006/metadata/contentType" xmlns:ma="http://schemas.microsoft.com/office/2006/metadata/properties/metaAttributes" ct:_="" ma:_="" ma:contentTypeName="TemplateFile" ma:contentTypeID="0x0101006EDDDB5EE6D98C44930B742096920B300400F5B6D36B3EF94B4E9A635CDF2A18F5B8" ma:contentTypeVersion="72" ma:contentTypeDescription="Create a new document." ma:contentTypeScope="" ma:versionID="a23e56308344d904b51738559c3d67c9">
   <xsd:schema xmlns:xsd="http://www.w3.org/2001/XMLSchema" xmlns:xs="http://www.w3.org/2001/XMLSchema" xmlns:p="http://schemas.microsoft.com/office/2006/metadata/properties" xmlns:ns2="4873beb7-5857-4685-be1f-d57550cc96cc" targetNamespace="http://schemas.microsoft.com/office/2006/metadata/properties" ma:root="true" ma:fieldsID="cd0908cc4600e77bf5da051303e00c8d" ns2:_="">
     <xsd:import namespace="4873beb7-5857-4685-be1f-d57550cc96cc"/>
@@ -15882,6 +16205,15 @@
 </ct:contentTypeSchema>
 </file>
 
+<file path=customXml/item2.xml><?xml version="1.0" encoding="utf-8"?>
+<?mso-contentType ?>
+<FormTemplates xmlns="http://schemas.microsoft.com/sharepoint/v3/contenttype/forms">
+  <Display>DocumentLibraryForm</Display>
+  <Edit>AssetEditForm</Edit>
+  <New>DocumentLibraryForm</New>
+</FormTemplates>
+</file>
+
 <file path=customXml/item3.xml><?xml version="1.0" encoding="utf-8"?>
 <p:properties xmlns:p="http://schemas.microsoft.com/office/2006/metadata/properties" xmlns:xsi="http://www.w3.org/2001/XMLSchema-instance" xmlns:pc="http://schemas.microsoft.com/office/infopath/2007/PartnerControls">
   <documentManagement>
@@ -16009,14 +16341,6 @@
 </file>
 
 <file path=customXml/itemProps1.xml><?xml version="1.0" encoding="utf-8"?>
-<ds:datastoreItem xmlns:ds="http://schemas.openxmlformats.org/officeDocument/2006/customXml" ds:itemID="{8D003AC8-209A-4321-A17C-1B7A20643390}">
-  <ds:schemaRefs>
-    <ds:schemaRef ds:uri="http://schemas.microsoft.com/sharepoint/v3/contenttype/forms"/>
-  </ds:schemaRefs>
-</ds:datastoreItem>
-</file>
-
-<file path=customXml/itemProps2.xml><?xml version="1.0" encoding="utf-8"?>
 <ds:datastoreItem xmlns:ds="http://schemas.openxmlformats.org/officeDocument/2006/customXml" ds:itemID="{83ED4759-CFDD-43F0-817C-11D9197192BA}">
   <ds:schemaRefs>
     <ds:schemaRef ds:uri="http://schemas.microsoft.com/office/2006/metadata/contentType"/>
@@ -16030,6 +16354,14 @@
     <ds:schemaRef ds:uri="http://purl.org/dc/elements/1.1/"/>
     <ds:schemaRef ds:uri="http://purl.org/dc/terms/"/>
     <ds:schemaRef ds:uri="http://schemas.microsoft.com/internal/obd"/>
+  </ds:schemaRefs>
+</ds:datastoreItem>
+</file>
+
+<file path=customXml/itemProps2.xml><?xml version="1.0" encoding="utf-8"?>
+<ds:datastoreItem xmlns:ds="http://schemas.openxmlformats.org/officeDocument/2006/customXml" ds:itemID="{8D003AC8-209A-4321-A17C-1B7A20643390}">
+  <ds:schemaRefs>
+    <ds:schemaRef ds:uri="http://schemas.microsoft.com/sharepoint/v3/contenttype/forms"/>
   </ds:schemaRefs>
 </ds:datastoreItem>
 </file>

--- a/ATTENTION MECHANISM-BASED CROWD COUNTING WITH CNN.pptx
+++ b/ATTENTION MECHANISM-BASED CROWD COUNTING WITH CNN.pptx
@@ -238,7 +238,7 @@
           <a:p>
             <a:fld id="{30E6E22E-288A-414B-A8DE-E4DBD03D5FC0}" type="datetimeFigureOut">
               <a:rPr lang="en-US"/>
-              <a:t>5/7/2023</a:t>
+              <a:t>5/11/2023</a:t>
             </a:fld>
             <a:endParaRPr/>
           </a:p>
@@ -403,7 +403,7 @@
           <a:p>
             <a:fld id="{39A9AE7E-E0F9-4C51-AD9A-F4C3A6E23BBF}" type="datetimeFigureOut">
               <a:rPr lang="en-US"/>
-              <a:t>5/7/2023</a:t>
+              <a:t>5/11/2023</a:t>
             </a:fld>
             <a:endParaRPr/>
           </a:p>
@@ -902,7 +902,7 @@
           <a:p>
             <a:fld id="{705C7CD6-1F70-4976-B20D-15F1BB8854B6}" type="datetime1">
               <a:rPr lang="en-US" smtClean="0"/>
-              <a:t>5/7/2023</a:t>
+              <a:t>5/11/2023</a:t>
             </a:fld>
             <a:endParaRPr/>
           </a:p>
@@ -1511,7 +1511,7 @@
           <a:p>
             <a:fld id="{C9370DFC-3D89-4CC6-8882-58EB4E764F50}" type="datetime1">
               <a:rPr lang="en-US" smtClean="0"/>
-              <a:t>5/7/2023</a:t>
+              <a:t>5/11/2023</a:t>
             </a:fld>
             <a:endParaRPr/>
           </a:p>
@@ -1720,7 +1720,7 @@
           <a:p>
             <a:fld id="{4DA850F1-B34C-4688-9C46-06B0D61E867E}" type="datetime1">
               <a:rPr lang="en-US" smtClean="0"/>
-              <a:t>5/7/2023</a:t>
+              <a:t>5/11/2023</a:t>
             </a:fld>
             <a:endParaRPr/>
           </a:p>
@@ -1919,7 +1919,7 @@
           <a:p>
             <a:fld id="{BC9FDFF0-E8DD-44C2-A1FA-A1EDAAA1003D}" type="datetime1">
               <a:rPr lang="en-US" smtClean="0"/>
-              <a:t>5/7/2023</a:t>
+              <a:t>5/11/2023</a:t>
             </a:fld>
             <a:endParaRPr/>
           </a:p>
@@ -2184,7 +2184,7 @@
           <a:p>
             <a:fld id="{9D7D5702-A40F-4D29-857D-64382794E406}" type="datetime1">
               <a:rPr lang="en-US" smtClean="0"/>
-              <a:t>5/7/2023</a:t>
+              <a:t>5/11/2023</a:t>
             </a:fld>
             <a:endParaRPr/>
           </a:p>
@@ -2693,7 +2693,7 @@
           <a:p>
             <a:fld id="{D3FCFBF3-E9C1-4E9D-863C-989F2B2ACF01}" type="datetime1">
               <a:rPr lang="en-US" smtClean="0"/>
-              <a:t>5/7/2023</a:t>
+              <a:t>5/11/2023</a:t>
             </a:fld>
             <a:endParaRPr/>
           </a:p>
@@ -3154,7 +3154,7 @@
           <a:p>
             <a:fld id="{9FD064E1-1F0C-40B0-85A6-20DA5D299247}" type="datetime1">
               <a:rPr lang="en-US" smtClean="0"/>
-              <a:t>5/7/2023</a:t>
+              <a:t>5/11/2023</a:t>
             </a:fld>
             <a:endParaRPr/>
           </a:p>
@@ -3285,7 +3285,7 @@
           <a:p>
             <a:fld id="{BFB37BDD-439F-415C-9E8B-58F3B13D9028}" type="datetime1">
               <a:rPr lang="en-US" smtClean="0"/>
-              <a:t>5/7/2023</a:t>
+              <a:t>5/11/2023</a:t>
             </a:fld>
             <a:endParaRPr/>
           </a:p>
@@ -3393,7 +3393,7 @@
           <a:p>
             <a:fld id="{7D0D986B-2F15-4A5F-8B43-1086374CD1AE}" type="datetime1">
               <a:rPr lang="en-US" smtClean="0"/>
-              <a:t>5/7/2023</a:t>
+              <a:t>5/11/2023</a:t>
             </a:fld>
             <a:endParaRPr/>
           </a:p>
@@ -3687,7 +3687,7 @@
           <a:p>
             <a:fld id="{5AE7B1FB-B33E-4E5B-AA64-621283CE6935}" type="datetime1">
               <a:rPr lang="en-US" smtClean="0"/>
-              <a:t>5/7/2023</a:t>
+              <a:t>5/11/2023</a:t>
             </a:fld>
             <a:endParaRPr/>
           </a:p>
@@ -4011,7 +4011,7 @@
           <a:p>
             <a:fld id="{33978762-79A6-4DDC-B3BF-58904F698A86}" type="datetime1">
               <a:rPr lang="en-US" smtClean="0"/>
-              <a:t>5/7/2023</a:t>
+              <a:t>5/11/2023</a:t>
             </a:fld>
             <a:endParaRPr/>
           </a:p>
@@ -4355,7 +4355,7 @@
           <a:p>
             <a:fld id="{B855DF69-F5C9-4007-8767-8AF374755C39}" type="datetime1">
               <a:rPr lang="en-US" smtClean="0"/>
-              <a:t>5/7/2023</a:t>
+              <a:t>5/11/2023</a:t>
             </a:fld>
             <a:endParaRPr/>
           </a:p>
@@ -6518,7 +6518,7 @@
             <p:ph idx="1"/>
             <p:extLst>
               <p:ext uri="{D42A27DB-BD31-4B8C-83A1-F6EECF244321}">
-                <p14:modId xmlns:p14="http://schemas.microsoft.com/office/powerpoint/2010/main" val="4001555915"/>
+                <p14:modId xmlns:p14="http://schemas.microsoft.com/office/powerpoint/2010/main" val="189066206"/>
               </p:ext>
             </p:extLst>
           </p:nvPr>
@@ -7329,7 +7329,7 @@
                     <a:p>
                       <a:r>
                         <a:rPr lang="en-IN" dirty="0"/>
-                        <a:t>56hrs</a:t>
+                        <a:t>54hrs</a:t>
                       </a:r>
                     </a:p>
                   </a:txBody>
@@ -15166,6 +15166,141 @@
 </file>
 
 <file path=customXml/item1.xml><?xml version="1.0" encoding="utf-8"?>
+<p:properties xmlns:p="http://schemas.microsoft.com/office/2006/metadata/properties" xmlns:xsi="http://www.w3.org/2001/XMLSchema-instance" xmlns:pc="http://schemas.microsoft.com/office/infopath/2007/PartnerControls">
+  <documentManagement>
+    <DirectSourceMarket xmlns="4873beb7-5857-4685-be1f-d57550cc96cc" xsi:nil="true"/>
+    <ApprovalStatus xmlns="4873beb7-5857-4685-be1f-d57550cc96cc">InProgress</ApprovalStatus>
+    <MarketSpecific xmlns="4873beb7-5857-4685-be1f-d57550cc96cc">false</MarketSpecific>
+    <LocComments xmlns="4873beb7-5857-4685-be1f-d57550cc96cc" xsi:nil="true"/>
+    <ThumbnailAssetId xmlns="4873beb7-5857-4685-be1f-d57550cc96cc" xsi:nil="true"/>
+    <PrimaryImageGen xmlns="4873beb7-5857-4685-be1f-d57550cc96cc">false</PrimaryImageGen>
+    <LegacyData xmlns="4873beb7-5857-4685-be1f-d57550cc96cc" xsi:nil="true"/>
+    <LocRecommendedHandoff xmlns="4873beb7-5857-4685-be1f-d57550cc96cc" xsi:nil="true"/>
+    <BusinessGroup xmlns="4873beb7-5857-4685-be1f-d57550cc96cc" xsi:nil="true"/>
+    <BlockPublish xmlns="4873beb7-5857-4685-be1f-d57550cc96cc">false</BlockPublish>
+    <TPFriendlyName xmlns="4873beb7-5857-4685-be1f-d57550cc96cc" xsi:nil="true"/>
+    <NumericId xmlns="4873beb7-5857-4685-be1f-d57550cc96cc" xsi:nil="true"/>
+    <APEditor xmlns="4873beb7-5857-4685-be1f-d57550cc96cc">
+      <UserInfo>
+        <DisplayName/>
+        <AccountId xsi:nil="true"/>
+        <AccountType/>
+      </UserInfo>
+    </APEditor>
+    <SourceTitle xmlns="4873beb7-5857-4685-be1f-d57550cc96cc" xsi:nil="true"/>
+    <OpenTemplate xmlns="4873beb7-5857-4685-be1f-d57550cc96cc">true</OpenTemplate>
+    <UALocComments xmlns="4873beb7-5857-4685-be1f-d57550cc96cc" xsi:nil="true"/>
+    <ParentAssetId xmlns="4873beb7-5857-4685-be1f-d57550cc96cc" xsi:nil="true"/>
+    <IntlLangReviewDate xmlns="4873beb7-5857-4685-be1f-d57550cc96cc" xsi:nil="true"/>
+    <FeatureTagsTaxHTField0 xmlns="4873beb7-5857-4685-be1f-d57550cc96cc">
+      <Terms xmlns="http://schemas.microsoft.com/office/infopath/2007/PartnerControls"/>
+    </FeatureTagsTaxHTField0>
+    <PublishStatusLookup xmlns="4873beb7-5857-4685-be1f-d57550cc96cc">
+      <Value>1360476</Value>
+    </PublishStatusLookup>
+    <Providers xmlns="4873beb7-5857-4685-be1f-d57550cc96cc" xsi:nil="true"/>
+    <MachineTranslated xmlns="4873beb7-5857-4685-be1f-d57550cc96cc">false</MachineTranslated>
+    <OriginalSourceMarket xmlns="4873beb7-5857-4685-be1f-d57550cc96cc" xsi:nil="true"/>
+    <APDescription xmlns="4873beb7-5857-4685-be1f-d57550cc96cc" xsi:nil="true"/>
+    <ClipArtFilename xmlns="4873beb7-5857-4685-be1f-d57550cc96cc" xsi:nil="true"/>
+    <ContentItem xmlns="4873beb7-5857-4685-be1f-d57550cc96cc" xsi:nil="true"/>
+    <TPInstallLocation xmlns="4873beb7-5857-4685-be1f-d57550cc96cc" xsi:nil="true"/>
+    <PublishTargets xmlns="4873beb7-5857-4685-be1f-d57550cc96cc">OfficeOnlineVNext</PublishTargets>
+    <TimesCloned xmlns="4873beb7-5857-4685-be1f-d57550cc96cc" xsi:nil="true"/>
+    <AssetStart xmlns="4873beb7-5857-4685-be1f-d57550cc96cc">2011-12-12T13:37:00+00:00</AssetStart>
+    <Provider xmlns="4873beb7-5857-4685-be1f-d57550cc96cc" xsi:nil="true"/>
+    <AcquiredFrom xmlns="4873beb7-5857-4685-be1f-d57550cc96cc">Internal MS</AcquiredFrom>
+    <FriendlyTitle xmlns="4873beb7-5857-4685-be1f-d57550cc96cc" xsi:nil="true"/>
+    <LastHandOff xmlns="4873beb7-5857-4685-be1f-d57550cc96cc" xsi:nil="true"/>
+    <TPClientViewer xmlns="4873beb7-5857-4685-be1f-d57550cc96cc" xsi:nil="true"/>
+    <UACurrentWords xmlns="4873beb7-5857-4685-be1f-d57550cc96cc" xsi:nil="true"/>
+    <ArtSampleDocs xmlns="4873beb7-5857-4685-be1f-d57550cc96cc" xsi:nil="true"/>
+    <UALocRecommendation xmlns="4873beb7-5857-4685-be1f-d57550cc96cc">Localize</UALocRecommendation>
+    <Manager xmlns="4873beb7-5857-4685-be1f-d57550cc96cc" xsi:nil="true"/>
+    <ShowIn xmlns="4873beb7-5857-4685-be1f-d57550cc96cc">Show everywhere</ShowIn>
+    <UANotes xmlns="4873beb7-5857-4685-be1f-d57550cc96cc" xsi:nil="true"/>
+    <TemplateStatus xmlns="4873beb7-5857-4685-be1f-d57550cc96cc">Complete</TemplateStatus>
+    <InternalTagsTaxHTField0 xmlns="4873beb7-5857-4685-be1f-d57550cc96cc">
+      <Terms xmlns="http://schemas.microsoft.com/office/infopath/2007/PartnerControls"/>
+    </InternalTagsTaxHTField0>
+    <CSXHash xmlns="4873beb7-5857-4685-be1f-d57550cc96cc" xsi:nil="true"/>
+    <Downloads xmlns="4873beb7-5857-4685-be1f-d57550cc96cc">0</Downloads>
+    <VoteCount xmlns="4873beb7-5857-4685-be1f-d57550cc96cc" xsi:nil="true"/>
+    <OOCacheId xmlns="4873beb7-5857-4685-be1f-d57550cc96cc" xsi:nil="true"/>
+    <IsDeleted xmlns="4873beb7-5857-4685-be1f-d57550cc96cc">false</IsDeleted>
+    <AssetExpire xmlns="4873beb7-5857-4685-be1f-d57550cc96cc">2035-01-01T08:00:00+00:00</AssetExpire>
+    <DSATActionTaken xmlns="4873beb7-5857-4685-be1f-d57550cc96cc" xsi:nil="true"/>
+    <CSXSubmissionMarket xmlns="4873beb7-5857-4685-be1f-d57550cc96cc" xsi:nil="true"/>
+    <TPExecutable xmlns="4873beb7-5857-4685-be1f-d57550cc96cc" xsi:nil="true"/>
+    <SubmitterId xmlns="4873beb7-5857-4685-be1f-d57550cc96cc" xsi:nil="true"/>
+    <EditorialTags xmlns="4873beb7-5857-4685-be1f-d57550cc96cc" xsi:nil="true"/>
+    <ApprovalLog xmlns="4873beb7-5857-4685-be1f-d57550cc96cc" xsi:nil="true"/>
+    <AssetType xmlns="4873beb7-5857-4685-be1f-d57550cc96cc">TP</AssetType>
+    <BugNumber xmlns="4873beb7-5857-4685-be1f-d57550cc96cc" xsi:nil="true"/>
+    <CSXSubmissionDate xmlns="4873beb7-5857-4685-be1f-d57550cc96cc" xsi:nil="true"/>
+    <CSXUpdate xmlns="4873beb7-5857-4685-be1f-d57550cc96cc">false</CSXUpdate>
+    <Milestone xmlns="4873beb7-5857-4685-be1f-d57550cc96cc" xsi:nil="true"/>
+    <RecommendationsModifier xmlns="4873beb7-5857-4685-be1f-d57550cc96cc" xsi:nil="true"/>
+    <OriginAsset xmlns="4873beb7-5857-4685-be1f-d57550cc96cc" xsi:nil="true"/>
+    <TPComponent xmlns="4873beb7-5857-4685-be1f-d57550cc96cc" xsi:nil="true"/>
+    <AssetId xmlns="4873beb7-5857-4685-be1f-d57550cc96cc">TP102801058</AssetId>
+    <IntlLocPriority xmlns="4873beb7-5857-4685-be1f-d57550cc96cc" xsi:nil="true"/>
+    <PolicheckWords xmlns="4873beb7-5857-4685-be1f-d57550cc96cc" xsi:nil="true"/>
+    <TPLaunchHelpLink xmlns="4873beb7-5857-4685-be1f-d57550cc96cc" xsi:nil="true"/>
+    <TPApplication xmlns="4873beb7-5857-4685-be1f-d57550cc96cc" xsi:nil="true"/>
+    <CrawlForDependencies xmlns="4873beb7-5857-4685-be1f-d57550cc96cc">false</CrawlForDependencies>
+    <HandoffToMSDN xmlns="4873beb7-5857-4685-be1f-d57550cc96cc" xsi:nil="true"/>
+    <PlannedPubDate xmlns="4873beb7-5857-4685-be1f-d57550cc96cc" xsi:nil="true"/>
+    <IntlLangReviewer xmlns="4873beb7-5857-4685-be1f-d57550cc96cc" xsi:nil="true"/>
+    <TrustLevel xmlns="4873beb7-5857-4685-be1f-d57550cc96cc">1 Microsoft Managed Content</TrustLevel>
+    <LocLastLocAttemptVersionLookup xmlns="4873beb7-5857-4685-be1f-d57550cc96cc">706496</LocLastLocAttemptVersionLookup>
+    <IsSearchable xmlns="4873beb7-5857-4685-be1f-d57550cc96cc">true</IsSearchable>
+    <TemplateTemplateType xmlns="4873beb7-5857-4685-be1f-d57550cc96cc">PowerPoint Presentation Template</TemplateTemplateType>
+    <CampaignTagsTaxHTField0 xmlns="4873beb7-5857-4685-be1f-d57550cc96cc">
+      <Terms xmlns="http://schemas.microsoft.com/office/infopath/2007/PartnerControls"/>
+    </CampaignTagsTaxHTField0>
+    <TPNamespace xmlns="4873beb7-5857-4685-be1f-d57550cc96cc" xsi:nil="true"/>
+    <TaxCatchAll xmlns="4873beb7-5857-4685-be1f-d57550cc96cc"/>
+    <Markets xmlns="4873beb7-5857-4685-be1f-d57550cc96cc"/>
+    <UAProjectedTotalWords xmlns="4873beb7-5857-4685-be1f-d57550cc96cc" xsi:nil="true"/>
+    <IntlLangReview xmlns="4873beb7-5857-4685-be1f-d57550cc96cc">false</IntlLangReview>
+    <OutputCachingOn xmlns="4873beb7-5857-4685-be1f-d57550cc96cc">false</OutputCachingOn>
+    <AverageRating xmlns="4873beb7-5857-4685-be1f-d57550cc96cc" xsi:nil="true"/>
+    <APAuthor xmlns="4873beb7-5857-4685-be1f-d57550cc96cc">
+      <UserInfo>
+        <DisplayName>REDMOND\v-soujap</DisplayName>
+        <AccountId>1954</AccountId>
+        <AccountType/>
+      </UserInfo>
+    </APAuthor>
+    <LocManualTestRequired xmlns="4873beb7-5857-4685-be1f-d57550cc96cc">false</LocManualTestRequired>
+    <TPCommandLine xmlns="4873beb7-5857-4685-be1f-d57550cc96cc" xsi:nil="true"/>
+    <TPAppVersion xmlns="4873beb7-5857-4685-be1f-d57550cc96cc" xsi:nil="true"/>
+    <EditorialStatus xmlns="4873beb7-5857-4685-be1f-d57550cc96cc">Complete</EditorialStatus>
+    <LastModifiedDateTime xmlns="4873beb7-5857-4685-be1f-d57550cc96cc" xsi:nil="true"/>
+    <ScenarioTagsTaxHTField0 xmlns="4873beb7-5857-4685-be1f-d57550cc96cc">
+      <Terms xmlns="http://schemas.microsoft.com/office/infopath/2007/PartnerControls"/>
+    </ScenarioTagsTaxHTField0>
+    <OriginalRelease xmlns="4873beb7-5857-4685-be1f-d57550cc96cc">14</OriginalRelease>
+    <TPLaunchHelpLinkType xmlns="4873beb7-5857-4685-be1f-d57550cc96cc">Template</TPLaunchHelpLinkType>
+    <LocalizationTagsTaxHTField0 xmlns="4873beb7-5857-4685-be1f-d57550cc96cc">
+      <Terms xmlns="http://schemas.microsoft.com/office/infopath/2007/PartnerControls"/>
+    </LocalizationTagsTaxHTField0>
+    <LocMarketGroupTiers2 xmlns="4873beb7-5857-4685-be1f-d57550cc96cc" xsi:nil="true"/>
+  </documentManagement>
+</p:properties>
+</file>
+
+<file path=customXml/item2.xml><?xml version="1.0" encoding="utf-8"?>
+<?mso-contentType ?>
+<FormTemplates xmlns="http://schemas.microsoft.com/sharepoint/v3/contenttype/forms">
+  <Display>DocumentLibraryForm</Display>
+  <Edit>AssetEditForm</Edit>
+  <New>DocumentLibraryForm</New>
+</FormTemplates>
+</file>
+
+<file path=customXml/item3.xml><?xml version="1.0" encoding="utf-8"?>
 <ct:contentTypeSchema xmlns:ct="http://schemas.microsoft.com/office/2006/metadata/contentType" xmlns:ma="http://schemas.microsoft.com/office/2006/metadata/properties/metaAttributes" ct:_="" ma:_="" ma:contentTypeName="TemplateFile" ma:contentTypeID="0x0101006EDDDB5EE6D98C44930B742096920B300400F5B6D36B3EF94B4E9A635CDF2A18F5B8" ma:contentTypeVersion="72" ma:contentTypeDescription="Create a new document." ma:contentTypeScope="" ma:versionID="a23e56308344d904b51738559c3d67c9">
   <xsd:schema xmlns:xsd="http://www.w3.org/2001/XMLSchema" xmlns:xs="http://www.w3.org/2001/XMLSchema" xmlns:p="http://schemas.microsoft.com/office/2006/metadata/properties" xmlns:ns2="4873beb7-5857-4685-be1f-d57550cc96cc" targetNamespace="http://schemas.microsoft.com/office/2006/metadata/properties" ma:root="true" ma:fieldsID="cd0908cc4600e77bf5da051303e00c8d" ns2:_="">
     <xsd:import namespace="4873beb7-5857-4685-be1f-d57550cc96cc"/>
@@ -16205,142 +16340,31 @@
 </ct:contentTypeSchema>
 </file>
 
-<file path=customXml/item2.xml><?xml version="1.0" encoding="utf-8"?>
-<?mso-contentType ?>
-<FormTemplates xmlns="http://schemas.microsoft.com/sharepoint/v3/contenttype/forms">
-  <Display>DocumentLibraryForm</Display>
-  <Edit>AssetEditForm</Edit>
-  <New>DocumentLibraryForm</New>
-</FormTemplates>
+<file path=customXml/itemProps1.xml><?xml version="1.0" encoding="utf-8"?>
+<ds:datastoreItem xmlns:ds="http://schemas.openxmlformats.org/officeDocument/2006/customXml" ds:itemID="{4ED80E12-3BE9-4746-820E-FFB249F467F2}">
+  <ds:schemaRefs>
+    <ds:schemaRef ds:uri="http://schemas.microsoft.com/office/2006/documentManagement/types"/>
+    <ds:schemaRef ds:uri="http://purl.org/dc/elements/1.1/"/>
+    <ds:schemaRef ds:uri="http://schemas.microsoft.com/office/2006/metadata/properties"/>
+    <ds:schemaRef ds:uri="4873beb7-5857-4685-be1f-d57550cc96cc"/>
+    <ds:schemaRef ds:uri="http://schemas.openxmlformats.org/package/2006/metadata/core-properties"/>
+    <ds:schemaRef ds:uri="http://purl.org/dc/terms/"/>
+    <ds:schemaRef ds:uri="http://schemas.microsoft.com/office/infopath/2007/PartnerControls"/>
+    <ds:schemaRef ds:uri="http://www.w3.org/XML/1998/namespace"/>
+    <ds:schemaRef ds:uri="http://purl.org/dc/dcmitype/"/>
+  </ds:schemaRefs>
+</ds:datastoreItem>
 </file>
 
-<file path=customXml/item3.xml><?xml version="1.0" encoding="utf-8"?>
-<p:properties xmlns:p="http://schemas.microsoft.com/office/2006/metadata/properties" xmlns:xsi="http://www.w3.org/2001/XMLSchema-instance" xmlns:pc="http://schemas.microsoft.com/office/infopath/2007/PartnerControls">
-  <documentManagement>
-    <DirectSourceMarket xmlns="4873beb7-5857-4685-be1f-d57550cc96cc" xsi:nil="true"/>
-    <ApprovalStatus xmlns="4873beb7-5857-4685-be1f-d57550cc96cc">InProgress</ApprovalStatus>
-    <MarketSpecific xmlns="4873beb7-5857-4685-be1f-d57550cc96cc">false</MarketSpecific>
-    <LocComments xmlns="4873beb7-5857-4685-be1f-d57550cc96cc" xsi:nil="true"/>
-    <ThumbnailAssetId xmlns="4873beb7-5857-4685-be1f-d57550cc96cc" xsi:nil="true"/>
-    <PrimaryImageGen xmlns="4873beb7-5857-4685-be1f-d57550cc96cc">false</PrimaryImageGen>
-    <LegacyData xmlns="4873beb7-5857-4685-be1f-d57550cc96cc" xsi:nil="true"/>
-    <LocRecommendedHandoff xmlns="4873beb7-5857-4685-be1f-d57550cc96cc" xsi:nil="true"/>
-    <BusinessGroup xmlns="4873beb7-5857-4685-be1f-d57550cc96cc" xsi:nil="true"/>
-    <BlockPublish xmlns="4873beb7-5857-4685-be1f-d57550cc96cc">false</BlockPublish>
-    <TPFriendlyName xmlns="4873beb7-5857-4685-be1f-d57550cc96cc" xsi:nil="true"/>
-    <NumericId xmlns="4873beb7-5857-4685-be1f-d57550cc96cc" xsi:nil="true"/>
-    <APEditor xmlns="4873beb7-5857-4685-be1f-d57550cc96cc">
-      <UserInfo>
-        <DisplayName/>
-        <AccountId xsi:nil="true"/>
-        <AccountType/>
-      </UserInfo>
-    </APEditor>
-    <SourceTitle xmlns="4873beb7-5857-4685-be1f-d57550cc96cc" xsi:nil="true"/>
-    <OpenTemplate xmlns="4873beb7-5857-4685-be1f-d57550cc96cc">true</OpenTemplate>
-    <UALocComments xmlns="4873beb7-5857-4685-be1f-d57550cc96cc" xsi:nil="true"/>
-    <ParentAssetId xmlns="4873beb7-5857-4685-be1f-d57550cc96cc" xsi:nil="true"/>
-    <IntlLangReviewDate xmlns="4873beb7-5857-4685-be1f-d57550cc96cc" xsi:nil="true"/>
-    <FeatureTagsTaxHTField0 xmlns="4873beb7-5857-4685-be1f-d57550cc96cc">
-      <Terms xmlns="http://schemas.microsoft.com/office/infopath/2007/PartnerControls"/>
-    </FeatureTagsTaxHTField0>
-    <PublishStatusLookup xmlns="4873beb7-5857-4685-be1f-d57550cc96cc">
-      <Value>1360476</Value>
-    </PublishStatusLookup>
-    <Providers xmlns="4873beb7-5857-4685-be1f-d57550cc96cc" xsi:nil="true"/>
-    <MachineTranslated xmlns="4873beb7-5857-4685-be1f-d57550cc96cc">false</MachineTranslated>
-    <OriginalSourceMarket xmlns="4873beb7-5857-4685-be1f-d57550cc96cc" xsi:nil="true"/>
-    <APDescription xmlns="4873beb7-5857-4685-be1f-d57550cc96cc" xsi:nil="true"/>
-    <ClipArtFilename xmlns="4873beb7-5857-4685-be1f-d57550cc96cc" xsi:nil="true"/>
-    <ContentItem xmlns="4873beb7-5857-4685-be1f-d57550cc96cc" xsi:nil="true"/>
-    <TPInstallLocation xmlns="4873beb7-5857-4685-be1f-d57550cc96cc" xsi:nil="true"/>
-    <PublishTargets xmlns="4873beb7-5857-4685-be1f-d57550cc96cc">OfficeOnlineVNext</PublishTargets>
-    <TimesCloned xmlns="4873beb7-5857-4685-be1f-d57550cc96cc" xsi:nil="true"/>
-    <AssetStart xmlns="4873beb7-5857-4685-be1f-d57550cc96cc">2011-12-12T13:37:00+00:00</AssetStart>
-    <Provider xmlns="4873beb7-5857-4685-be1f-d57550cc96cc" xsi:nil="true"/>
-    <AcquiredFrom xmlns="4873beb7-5857-4685-be1f-d57550cc96cc">Internal MS</AcquiredFrom>
-    <FriendlyTitle xmlns="4873beb7-5857-4685-be1f-d57550cc96cc" xsi:nil="true"/>
-    <LastHandOff xmlns="4873beb7-5857-4685-be1f-d57550cc96cc" xsi:nil="true"/>
-    <TPClientViewer xmlns="4873beb7-5857-4685-be1f-d57550cc96cc" xsi:nil="true"/>
-    <UACurrentWords xmlns="4873beb7-5857-4685-be1f-d57550cc96cc" xsi:nil="true"/>
-    <ArtSampleDocs xmlns="4873beb7-5857-4685-be1f-d57550cc96cc" xsi:nil="true"/>
-    <UALocRecommendation xmlns="4873beb7-5857-4685-be1f-d57550cc96cc">Localize</UALocRecommendation>
-    <Manager xmlns="4873beb7-5857-4685-be1f-d57550cc96cc" xsi:nil="true"/>
-    <ShowIn xmlns="4873beb7-5857-4685-be1f-d57550cc96cc">Show everywhere</ShowIn>
-    <UANotes xmlns="4873beb7-5857-4685-be1f-d57550cc96cc" xsi:nil="true"/>
-    <TemplateStatus xmlns="4873beb7-5857-4685-be1f-d57550cc96cc">Complete</TemplateStatus>
-    <InternalTagsTaxHTField0 xmlns="4873beb7-5857-4685-be1f-d57550cc96cc">
-      <Terms xmlns="http://schemas.microsoft.com/office/infopath/2007/PartnerControls"/>
-    </InternalTagsTaxHTField0>
-    <CSXHash xmlns="4873beb7-5857-4685-be1f-d57550cc96cc" xsi:nil="true"/>
-    <Downloads xmlns="4873beb7-5857-4685-be1f-d57550cc96cc">0</Downloads>
-    <VoteCount xmlns="4873beb7-5857-4685-be1f-d57550cc96cc" xsi:nil="true"/>
-    <OOCacheId xmlns="4873beb7-5857-4685-be1f-d57550cc96cc" xsi:nil="true"/>
-    <IsDeleted xmlns="4873beb7-5857-4685-be1f-d57550cc96cc">false</IsDeleted>
-    <AssetExpire xmlns="4873beb7-5857-4685-be1f-d57550cc96cc">2035-01-01T08:00:00+00:00</AssetExpire>
-    <DSATActionTaken xmlns="4873beb7-5857-4685-be1f-d57550cc96cc" xsi:nil="true"/>
-    <CSXSubmissionMarket xmlns="4873beb7-5857-4685-be1f-d57550cc96cc" xsi:nil="true"/>
-    <TPExecutable xmlns="4873beb7-5857-4685-be1f-d57550cc96cc" xsi:nil="true"/>
-    <SubmitterId xmlns="4873beb7-5857-4685-be1f-d57550cc96cc" xsi:nil="true"/>
-    <EditorialTags xmlns="4873beb7-5857-4685-be1f-d57550cc96cc" xsi:nil="true"/>
-    <ApprovalLog xmlns="4873beb7-5857-4685-be1f-d57550cc96cc" xsi:nil="true"/>
-    <AssetType xmlns="4873beb7-5857-4685-be1f-d57550cc96cc">TP</AssetType>
-    <BugNumber xmlns="4873beb7-5857-4685-be1f-d57550cc96cc" xsi:nil="true"/>
-    <CSXSubmissionDate xmlns="4873beb7-5857-4685-be1f-d57550cc96cc" xsi:nil="true"/>
-    <CSXUpdate xmlns="4873beb7-5857-4685-be1f-d57550cc96cc">false</CSXUpdate>
-    <Milestone xmlns="4873beb7-5857-4685-be1f-d57550cc96cc" xsi:nil="true"/>
-    <RecommendationsModifier xmlns="4873beb7-5857-4685-be1f-d57550cc96cc" xsi:nil="true"/>
-    <OriginAsset xmlns="4873beb7-5857-4685-be1f-d57550cc96cc" xsi:nil="true"/>
-    <TPComponent xmlns="4873beb7-5857-4685-be1f-d57550cc96cc" xsi:nil="true"/>
-    <AssetId xmlns="4873beb7-5857-4685-be1f-d57550cc96cc">TP102801058</AssetId>
-    <IntlLocPriority xmlns="4873beb7-5857-4685-be1f-d57550cc96cc" xsi:nil="true"/>
-    <PolicheckWords xmlns="4873beb7-5857-4685-be1f-d57550cc96cc" xsi:nil="true"/>
-    <TPLaunchHelpLink xmlns="4873beb7-5857-4685-be1f-d57550cc96cc" xsi:nil="true"/>
-    <TPApplication xmlns="4873beb7-5857-4685-be1f-d57550cc96cc" xsi:nil="true"/>
-    <CrawlForDependencies xmlns="4873beb7-5857-4685-be1f-d57550cc96cc">false</CrawlForDependencies>
-    <HandoffToMSDN xmlns="4873beb7-5857-4685-be1f-d57550cc96cc" xsi:nil="true"/>
-    <PlannedPubDate xmlns="4873beb7-5857-4685-be1f-d57550cc96cc" xsi:nil="true"/>
-    <IntlLangReviewer xmlns="4873beb7-5857-4685-be1f-d57550cc96cc" xsi:nil="true"/>
-    <TrustLevel xmlns="4873beb7-5857-4685-be1f-d57550cc96cc">1 Microsoft Managed Content</TrustLevel>
-    <LocLastLocAttemptVersionLookup xmlns="4873beb7-5857-4685-be1f-d57550cc96cc">706496</LocLastLocAttemptVersionLookup>
-    <IsSearchable xmlns="4873beb7-5857-4685-be1f-d57550cc96cc">true</IsSearchable>
-    <TemplateTemplateType xmlns="4873beb7-5857-4685-be1f-d57550cc96cc">PowerPoint Presentation Template</TemplateTemplateType>
-    <CampaignTagsTaxHTField0 xmlns="4873beb7-5857-4685-be1f-d57550cc96cc">
-      <Terms xmlns="http://schemas.microsoft.com/office/infopath/2007/PartnerControls"/>
-    </CampaignTagsTaxHTField0>
-    <TPNamespace xmlns="4873beb7-5857-4685-be1f-d57550cc96cc" xsi:nil="true"/>
-    <TaxCatchAll xmlns="4873beb7-5857-4685-be1f-d57550cc96cc"/>
-    <Markets xmlns="4873beb7-5857-4685-be1f-d57550cc96cc"/>
-    <UAProjectedTotalWords xmlns="4873beb7-5857-4685-be1f-d57550cc96cc" xsi:nil="true"/>
-    <IntlLangReview xmlns="4873beb7-5857-4685-be1f-d57550cc96cc">false</IntlLangReview>
-    <OutputCachingOn xmlns="4873beb7-5857-4685-be1f-d57550cc96cc">false</OutputCachingOn>
-    <AverageRating xmlns="4873beb7-5857-4685-be1f-d57550cc96cc" xsi:nil="true"/>
-    <APAuthor xmlns="4873beb7-5857-4685-be1f-d57550cc96cc">
-      <UserInfo>
-        <DisplayName>REDMOND\v-soujap</DisplayName>
-        <AccountId>1954</AccountId>
-        <AccountType/>
-      </UserInfo>
-    </APAuthor>
-    <LocManualTestRequired xmlns="4873beb7-5857-4685-be1f-d57550cc96cc">false</LocManualTestRequired>
-    <TPCommandLine xmlns="4873beb7-5857-4685-be1f-d57550cc96cc" xsi:nil="true"/>
-    <TPAppVersion xmlns="4873beb7-5857-4685-be1f-d57550cc96cc" xsi:nil="true"/>
-    <EditorialStatus xmlns="4873beb7-5857-4685-be1f-d57550cc96cc">Complete</EditorialStatus>
-    <LastModifiedDateTime xmlns="4873beb7-5857-4685-be1f-d57550cc96cc" xsi:nil="true"/>
-    <ScenarioTagsTaxHTField0 xmlns="4873beb7-5857-4685-be1f-d57550cc96cc">
-      <Terms xmlns="http://schemas.microsoft.com/office/infopath/2007/PartnerControls"/>
-    </ScenarioTagsTaxHTField0>
-    <OriginalRelease xmlns="4873beb7-5857-4685-be1f-d57550cc96cc">14</OriginalRelease>
-    <TPLaunchHelpLinkType xmlns="4873beb7-5857-4685-be1f-d57550cc96cc">Template</TPLaunchHelpLinkType>
-    <LocalizationTagsTaxHTField0 xmlns="4873beb7-5857-4685-be1f-d57550cc96cc">
-      <Terms xmlns="http://schemas.microsoft.com/office/infopath/2007/PartnerControls"/>
-    </LocalizationTagsTaxHTField0>
-    <LocMarketGroupTiers2 xmlns="4873beb7-5857-4685-be1f-d57550cc96cc" xsi:nil="true"/>
-  </documentManagement>
-</p:properties>
+<file path=customXml/itemProps2.xml><?xml version="1.0" encoding="utf-8"?>
+<ds:datastoreItem xmlns:ds="http://schemas.openxmlformats.org/officeDocument/2006/customXml" ds:itemID="{8D003AC8-209A-4321-A17C-1B7A20643390}">
+  <ds:schemaRefs>
+    <ds:schemaRef ds:uri="http://schemas.microsoft.com/sharepoint/v3/contenttype/forms"/>
+  </ds:schemaRefs>
+</ds:datastoreItem>
 </file>
 
-<file path=customXml/itemProps1.xml><?xml version="1.0" encoding="utf-8"?>
+<file path=customXml/itemProps3.xml><?xml version="1.0" encoding="utf-8"?>
 <ds:datastoreItem xmlns:ds="http://schemas.openxmlformats.org/officeDocument/2006/customXml" ds:itemID="{83ED4759-CFDD-43F0-817C-11D9197192BA}">
   <ds:schemaRefs>
     <ds:schemaRef ds:uri="http://schemas.microsoft.com/office/2006/metadata/contentType"/>
@@ -16356,28 +16380,4 @@
     <ds:schemaRef ds:uri="http://schemas.microsoft.com/internal/obd"/>
   </ds:schemaRefs>
 </ds:datastoreItem>
-</file>
-
-<file path=customXml/itemProps2.xml><?xml version="1.0" encoding="utf-8"?>
-<ds:datastoreItem xmlns:ds="http://schemas.openxmlformats.org/officeDocument/2006/customXml" ds:itemID="{8D003AC8-209A-4321-A17C-1B7A20643390}">
-  <ds:schemaRefs>
-    <ds:schemaRef ds:uri="http://schemas.microsoft.com/sharepoint/v3/contenttype/forms"/>
-  </ds:schemaRefs>
-</ds:datastoreItem>
-</file>
-
-<file path=customXml/itemProps3.xml><?xml version="1.0" encoding="utf-8"?>
-<ds:datastoreItem xmlns:ds="http://schemas.openxmlformats.org/officeDocument/2006/customXml" ds:itemID="{4ED80E12-3BE9-4746-820E-FFB249F467F2}">
-  <ds:schemaRefs>
-    <ds:schemaRef ds:uri="http://schemas.microsoft.com/office/2006/documentManagement/types"/>
-    <ds:schemaRef ds:uri="http://purl.org/dc/elements/1.1/"/>
-    <ds:schemaRef ds:uri="http://schemas.microsoft.com/office/2006/metadata/properties"/>
-    <ds:schemaRef ds:uri="4873beb7-5857-4685-be1f-d57550cc96cc"/>
-    <ds:schemaRef ds:uri="http://schemas.openxmlformats.org/package/2006/metadata/core-properties"/>
-    <ds:schemaRef ds:uri="http://purl.org/dc/terms/"/>
-    <ds:schemaRef ds:uri="http://schemas.microsoft.com/office/infopath/2007/PartnerControls"/>
-    <ds:schemaRef ds:uri="http://www.w3.org/XML/1998/namespace"/>
-    <ds:schemaRef ds:uri="http://purl.org/dc/dcmitype/"/>
-  </ds:schemaRefs>
-</ds:datastoreItem>
 </file>